--- a/Javascript/javascript.pptx
+++ b/Javascript/javascript.pptx
@@ -5,7 +5,7 @@
     <p:sldMasterId id="2147483660" r:id="rId1"/>
   </p:sldMasterIdLst>
   <p:notesMasterIdLst>
-    <p:notesMasterId r:id="rId28"/>
+    <p:notesMasterId r:id="rId29"/>
   </p:notesMasterIdLst>
   <p:sldIdLst>
     <p:sldId id="256" r:id="rId2"/>
@@ -25,15 +25,16 @@
     <p:sldId id="272" r:id="rId16"/>
     <p:sldId id="273" r:id="rId17"/>
     <p:sldId id="274" r:id="rId18"/>
-    <p:sldId id="276" r:id="rId19"/>
-    <p:sldId id="277" r:id="rId20"/>
-    <p:sldId id="275" r:id="rId21"/>
-    <p:sldId id="278" r:id="rId22"/>
-    <p:sldId id="258" r:id="rId23"/>
-    <p:sldId id="259" r:id="rId24"/>
-    <p:sldId id="280" r:id="rId25"/>
-    <p:sldId id="279" r:id="rId26"/>
-    <p:sldId id="281" r:id="rId27"/>
+    <p:sldId id="282" r:id="rId19"/>
+    <p:sldId id="276" r:id="rId20"/>
+    <p:sldId id="277" r:id="rId21"/>
+    <p:sldId id="275" r:id="rId22"/>
+    <p:sldId id="278" r:id="rId23"/>
+    <p:sldId id="258" r:id="rId24"/>
+    <p:sldId id="259" r:id="rId25"/>
+    <p:sldId id="280" r:id="rId26"/>
+    <p:sldId id="279" r:id="rId27"/>
+    <p:sldId id="281" r:id="rId28"/>
   </p:sldIdLst>
   <p:sldSz cx="9144000" cy="6858000" type="screen4x3"/>
   <p:notesSz cx="6858000" cy="9144000"/>
@@ -217,7 +218,7 @@
           <a:p>
             <a:fld id="{E4206C07-E4DD-4EB9-A952-CDD0045A3EE4}" type="datetimeFigureOut">
               <a:rPr lang="nl-NL" smtClean="0"/>
-              <a:t>11-10-2015</a:t>
+              <a:t>12-10-2015</a:t>
             </a:fld>
             <a:endParaRPr lang="nl-NL"/>
           </a:p>
@@ -745,7 +746,7 @@
           <a:p>
             <a:fld id="{2E22163D-5A0B-4B15-AD9F-D40DA0ED14CA}" type="slidenum">
               <a:rPr lang="nl-NL" smtClean="0"/>
-              <a:t>22</a:t>
+              <a:t>23</a:t>
             </a:fld>
             <a:endParaRPr lang="nl-NL"/>
           </a:p>
@@ -1389,7 +1390,7 @@
           <a:p>
             <a:fld id="{19C9D74D-2B9D-47EC-87AC-961C28C0AB5F}" type="datetimeFigureOut">
               <a:rPr lang="nl-NL" smtClean="0"/>
-              <a:t>11-10-2015</a:t>
+              <a:t>12-10-2015</a:t>
             </a:fld>
             <a:endParaRPr lang="nl-NL"/>
           </a:p>
@@ -1585,7 +1586,7 @@
           <a:p>
             <a:fld id="{19C9D74D-2B9D-47EC-87AC-961C28C0AB5F}" type="datetimeFigureOut">
               <a:rPr lang="nl-NL" smtClean="0"/>
-              <a:t>11-10-2015</a:t>
+              <a:t>12-10-2015</a:t>
             </a:fld>
             <a:endParaRPr lang="nl-NL"/>
           </a:p>
@@ -1770,7 +1771,7 @@
           <a:p>
             <a:fld id="{19C9D74D-2B9D-47EC-87AC-961C28C0AB5F}" type="datetimeFigureOut">
               <a:rPr lang="nl-NL" smtClean="0"/>
-              <a:t>11-10-2015</a:t>
+              <a:t>12-10-2015</a:t>
             </a:fld>
             <a:endParaRPr lang="nl-NL"/>
           </a:p>
@@ -1920,7 +1921,7 @@
           <a:p>
             <a:fld id="{19C9D74D-2B9D-47EC-87AC-961C28C0AB5F}" type="datetimeFigureOut">
               <a:rPr lang="nl-NL" smtClean="0"/>
-              <a:t>11-10-2015</a:t>
+              <a:t>12-10-2015</a:t>
             </a:fld>
             <a:endParaRPr lang="nl-NL"/>
           </a:p>
@@ -2175,7 +2176,7 @@
           <a:p>
             <a:fld id="{19C9D74D-2B9D-47EC-87AC-961C28C0AB5F}" type="datetimeFigureOut">
               <a:rPr lang="nl-NL" smtClean="0"/>
-              <a:t>11-10-2015</a:t>
+              <a:t>12-10-2015</a:t>
             </a:fld>
             <a:endParaRPr lang="nl-NL"/>
           </a:p>
@@ -2584,7 +2585,7 @@
           <a:p>
             <a:fld id="{19C9D74D-2B9D-47EC-87AC-961C28C0AB5F}" type="datetimeFigureOut">
               <a:rPr lang="nl-NL" smtClean="0"/>
-              <a:t>11-10-2015</a:t>
+              <a:t>12-10-2015</a:t>
             </a:fld>
             <a:endParaRPr lang="nl-NL"/>
           </a:p>
@@ -3030,7 +3031,7 @@
           <a:p>
             <a:fld id="{19C9D74D-2B9D-47EC-87AC-961C28C0AB5F}" type="datetimeFigureOut">
               <a:rPr lang="nl-NL" smtClean="0"/>
-              <a:t>11-10-2015</a:t>
+              <a:t>12-10-2015</a:t>
             </a:fld>
             <a:endParaRPr lang="nl-NL"/>
           </a:p>
@@ -3131,7 +3132,7 @@
           <a:p>
             <a:fld id="{19C9D74D-2B9D-47EC-87AC-961C28C0AB5F}" type="datetimeFigureOut">
               <a:rPr lang="nl-NL" smtClean="0"/>
-              <a:t>11-10-2015</a:t>
+              <a:t>12-10-2015</a:t>
             </a:fld>
             <a:endParaRPr lang="nl-NL"/>
           </a:p>
@@ -3252,7 +3253,7 @@
           <a:p>
             <a:fld id="{19C9D74D-2B9D-47EC-87AC-961C28C0AB5F}" type="datetimeFigureOut">
               <a:rPr lang="nl-NL" smtClean="0"/>
-              <a:t>11-10-2015</a:t>
+              <a:t>12-10-2015</a:t>
             </a:fld>
             <a:endParaRPr lang="nl-NL"/>
           </a:p>
@@ -3526,7 +3527,7 @@
           <a:p>
             <a:fld id="{19C9D74D-2B9D-47EC-87AC-961C28C0AB5F}" type="datetimeFigureOut">
               <a:rPr lang="nl-NL" smtClean="0"/>
-              <a:t>11-10-2015</a:t>
+              <a:t>12-10-2015</a:t>
             </a:fld>
             <a:endParaRPr lang="nl-NL"/>
           </a:p>
@@ -3731,7 +3732,7 @@
           <a:p>
             <a:fld id="{19C9D74D-2B9D-47EC-87AC-961C28C0AB5F}" type="datetimeFigureOut">
               <a:rPr lang="nl-NL" smtClean="0"/>
-              <a:t>11-10-2015</a:t>
+              <a:t>12-10-2015</a:t>
             </a:fld>
             <a:endParaRPr lang="nl-NL"/>
           </a:p>
@@ -4840,7 +4841,7 @@
           <a:p>
             <a:fld id="{19C9D74D-2B9D-47EC-87AC-961C28C0AB5F}" type="datetimeFigureOut">
               <a:rPr lang="nl-NL" smtClean="0"/>
-              <a:t>11-10-2015</a:t>
+              <a:t>12-10-2015</a:t>
             </a:fld>
             <a:endParaRPr lang="nl-NL"/>
           </a:p>
@@ -8619,27 +8620,25 @@
         </p:nvSpPr>
         <p:spPr/>
         <p:txBody>
-          <a:bodyPr>
-            <a:normAutofit fontScale="92500" lnSpcReduction="10000"/>
-          </a:bodyPr>
+          <a:bodyPr/>
           <a:lstStyle/>
           <a:p>
             <a:r>
               <a:rPr lang="nl-NL" dirty="0" smtClean="0"/>
-              <a:t>Speciale objecten</a:t>
+              <a:t>Objecten zijn altijd een referentie</a:t>
             </a:r>
           </a:p>
           <a:p>
             <a:r>
               <a:rPr lang="nl-NL" dirty="0" smtClean="0"/>
-              <a:t>Kan meerdere types bevatten</a:t>
+              <a:t>Ook bij functie argumenten</a:t>
             </a:r>
           </a:p>
           <a:p>
             <a:pPr marL="109728" indent="0">
               <a:buNone/>
             </a:pPr>
-            <a:endParaRPr lang="en-US" sz="2800" dirty="0" smtClean="0">
+            <a:endParaRPr lang="nl-NL" sz="2800" smtClean="0">
               <a:solidFill>
                 <a:srgbClr val="0000FF"/>
               </a:solidFill>
@@ -8654,7 +8653,7 @@
               <a:buNone/>
             </a:pPr>
             <a:r>
-              <a:rPr lang="en-US" sz="2800" dirty="0" err="1" smtClean="0">
+              <a:rPr lang="nl-NL" sz="2800" dirty="0" smtClean="0">
                 <a:solidFill>
                   <a:srgbClr val="0000FF"/>
                 </a:solidFill>
@@ -8666,7 +8665,7 @@
               <a:t>var</a:t>
             </a:r>
             <a:r>
-              <a:rPr lang="en-US" sz="2800" dirty="0" smtClean="0">
+              <a:rPr lang="nl-NL" sz="2800" dirty="0" smtClean="0">
                 <a:solidFill>
                   <a:srgbClr val="000000"/>
                 </a:solidFill>
@@ -8678,88 +8677,16 @@
               <a:t> </a:t>
             </a:r>
             <a:r>
-              <a:rPr lang="en-US" sz="2800" dirty="0">
-                <a:solidFill>
-                  <a:srgbClr val="000000"/>
-                </a:solidFill>
-                <a:highlight>
-                  <a:srgbClr val="FFFFFF"/>
-                </a:highlight>
-                <a:latin typeface="Consolas"/>
-              </a:rPr>
-              <a:t>colors = [</a:t>
-            </a:r>
-            <a:r>
-              <a:rPr lang="en-US" sz="2800" dirty="0">
-                <a:solidFill>
-                  <a:srgbClr val="A31515"/>
-                </a:solidFill>
-                <a:highlight>
-                  <a:srgbClr val="FFFFFF"/>
-                </a:highlight>
-                <a:latin typeface="Consolas"/>
-              </a:rPr>
-              <a:t>'Red'</a:t>
-            </a:r>
-            <a:r>
-              <a:rPr lang="en-US" sz="2800" dirty="0">
-                <a:solidFill>
-                  <a:srgbClr val="000000"/>
-                </a:solidFill>
-                <a:highlight>
-                  <a:srgbClr val="FFFFFF"/>
-                </a:highlight>
-                <a:latin typeface="Consolas"/>
-              </a:rPr>
-              <a:t>, </a:t>
-            </a:r>
-            <a:r>
-              <a:rPr lang="en-US" sz="2800" dirty="0">
-                <a:solidFill>
-                  <a:srgbClr val="A31515"/>
-                </a:solidFill>
-                <a:highlight>
-                  <a:srgbClr val="FFFFFF"/>
-                </a:highlight>
-                <a:latin typeface="Consolas"/>
-              </a:rPr>
-              <a:t>'Green'</a:t>
-            </a:r>
-            <a:r>
-              <a:rPr lang="en-US" sz="2800" dirty="0">
-                <a:solidFill>
-                  <a:srgbClr val="000000"/>
-                </a:solidFill>
-                <a:highlight>
-                  <a:srgbClr val="FFFFFF"/>
-                </a:highlight>
-                <a:latin typeface="Consolas"/>
-              </a:rPr>
-              <a:t>, </a:t>
-            </a:r>
-            <a:r>
-              <a:rPr lang="en-US" sz="2800" dirty="0">
-                <a:solidFill>
-                  <a:srgbClr val="A31515"/>
-                </a:solidFill>
-                <a:highlight>
-                  <a:srgbClr val="FFFFFF"/>
-                </a:highlight>
-                <a:latin typeface="Consolas"/>
-              </a:rPr>
-              <a:t>'Blue'</a:t>
-            </a:r>
-            <a:r>
-              <a:rPr lang="en-US" sz="2800" dirty="0">
-                <a:solidFill>
-                  <a:srgbClr val="000000"/>
-                </a:solidFill>
-                <a:highlight>
-                  <a:srgbClr val="FFFFFF"/>
-                </a:highlight>
-                <a:latin typeface="Consolas"/>
-              </a:rPr>
-              <a:t>];</a:t>
+              <a:rPr lang="nl-NL" sz="2800" dirty="0">
+                <a:solidFill>
+                  <a:srgbClr val="000000"/>
+                </a:solidFill>
+                <a:highlight>
+                  <a:srgbClr val="FFFFFF"/>
+                </a:highlight>
+                <a:latin typeface="Consolas"/>
+              </a:rPr>
+              <a:t>position1 = { x: 1, y: 2 };</a:t>
             </a:r>
           </a:p>
           <a:p>
@@ -8767,58 +8694,41 @@
               <a:buNone/>
             </a:pPr>
             <a:r>
-              <a:rPr lang="nl-NL" sz="2800" dirty="0" err="1">
-                <a:solidFill>
-                  <a:srgbClr val="000000"/>
-                </a:solidFill>
-                <a:highlight>
-                  <a:srgbClr val="FFFFFF"/>
-                </a:highlight>
-                <a:latin typeface="Consolas"/>
-              </a:rPr>
-              <a:t>colors</a:t>
-            </a:r>
-            <a:r>
-              <a:rPr lang="nl-NL" sz="2800" dirty="0">
-                <a:solidFill>
-                  <a:srgbClr val="000000"/>
-                </a:solidFill>
-                <a:highlight>
-                  <a:srgbClr val="FFFFFF"/>
-                </a:highlight>
-                <a:latin typeface="Consolas"/>
-              </a:rPr>
-              <a:t>[0] === </a:t>
-            </a:r>
-            <a:r>
-              <a:rPr lang="nl-NL" sz="2800" dirty="0">
-                <a:solidFill>
-                  <a:srgbClr val="A31515"/>
-                </a:solidFill>
-                <a:highlight>
-                  <a:srgbClr val="FFFFFF"/>
-                </a:highlight>
-                <a:latin typeface="Consolas"/>
-              </a:rPr>
-              <a:t>'Red'</a:t>
-            </a:r>
-            <a:r>
-              <a:rPr lang="nl-NL" sz="2800" dirty="0">
-                <a:solidFill>
-                  <a:srgbClr val="000000"/>
-                </a:solidFill>
-                <a:highlight>
-                  <a:srgbClr val="FFFFFF"/>
-                </a:highlight>
-                <a:latin typeface="Consolas"/>
-              </a:rPr>
-              <a:t>;</a:t>
-            </a:r>
-          </a:p>
-          <a:p>
-            <a:pPr marL="109728" indent="0">
-              <a:buNone/>
-            </a:pPr>
+              <a:rPr lang="nl-NL" sz="2800" dirty="0">
+                <a:solidFill>
+                  <a:srgbClr val="0000FF"/>
+                </a:solidFill>
+                <a:highlight>
+                  <a:srgbClr val="FFFFFF"/>
+                </a:highlight>
+                <a:latin typeface="Consolas"/>
+              </a:rPr>
+              <a:t>var</a:t>
+            </a:r>
+            <a:r>
+              <a:rPr lang="nl-NL" sz="2800" dirty="0">
+                <a:solidFill>
+                  <a:srgbClr val="000000"/>
+                </a:solidFill>
+                <a:highlight>
+                  <a:srgbClr val="FFFFFF"/>
+                </a:highlight>
+                <a:latin typeface="Consolas"/>
+              </a:rPr>
+              <a:t> position2 = position1; </a:t>
+            </a:r>
+            <a:r>
+              <a:rPr lang="nl-NL" sz="2800" dirty="0">
+                <a:solidFill>
+                  <a:srgbClr val="008000"/>
+                </a:solidFill>
+                <a:highlight>
+                  <a:srgbClr val="FFFFFF"/>
+                </a:highlight>
+                <a:latin typeface="Consolas"/>
+              </a:rPr>
+              <a:t>// position1 = position2!</a:t>
+            </a:r>
             <a:endParaRPr lang="nl-NL" sz="2800" dirty="0">
               <a:solidFill>
                 <a:srgbClr val="000000"/>
@@ -8836,213 +8746,28 @@
             <a:r>
               <a:rPr lang="nl-NL" sz="2800" dirty="0">
                 <a:solidFill>
-                  <a:srgbClr val="0000FF"/>
-                </a:solidFill>
-                <a:highlight>
-                  <a:srgbClr val="FFFFFF"/>
-                </a:highlight>
-                <a:latin typeface="Consolas"/>
-              </a:rPr>
-              <a:t>var</a:t>
-            </a:r>
-            <a:r>
-              <a:rPr lang="nl-NL" sz="2800" dirty="0">
-                <a:solidFill>
-                  <a:srgbClr val="000000"/>
-                </a:solidFill>
-                <a:highlight>
-                  <a:srgbClr val="FFFFFF"/>
-                </a:highlight>
-                <a:latin typeface="Consolas"/>
-              </a:rPr>
-              <a:t> </a:t>
-            </a:r>
-            <a:r>
-              <a:rPr lang="nl-NL" sz="2800" dirty="0" err="1">
-                <a:solidFill>
-                  <a:srgbClr val="000000"/>
-                </a:solidFill>
-                <a:highlight>
-                  <a:srgbClr val="FFFFFF"/>
-                </a:highlight>
-                <a:latin typeface="Consolas"/>
-              </a:rPr>
-              <a:t>collection</a:t>
-            </a:r>
-            <a:r>
-              <a:rPr lang="nl-NL" sz="2800" dirty="0">
-                <a:solidFill>
-                  <a:srgbClr val="000000"/>
-                </a:solidFill>
-                <a:highlight>
-                  <a:srgbClr val="FFFFFF"/>
-                </a:highlight>
-                <a:latin typeface="Consolas"/>
-              </a:rPr>
-              <a:t> = [</a:t>
-            </a:r>
-          </a:p>
-          <a:p>
-            <a:pPr marL="109728" indent="0">
-              <a:buNone/>
-            </a:pPr>
-            <a:r>
-              <a:rPr lang="nl-NL" sz="2800" dirty="0">
-                <a:solidFill>
-                  <a:srgbClr val="000000"/>
-                </a:solidFill>
-                <a:highlight>
-                  <a:srgbClr val="FFFFFF"/>
-                </a:highlight>
-                <a:latin typeface="Consolas"/>
-              </a:rPr>
-              <a:t>    12,</a:t>
-            </a:r>
-          </a:p>
-          <a:p>
-            <a:pPr marL="109728" indent="0">
-              <a:buNone/>
-            </a:pPr>
-            <a:r>
-              <a:rPr lang="nl-NL" sz="2800" dirty="0">
-                <a:solidFill>
-                  <a:srgbClr val="000000"/>
-                </a:solidFill>
-                <a:highlight>
-                  <a:srgbClr val="FFFFFF"/>
-                </a:highlight>
-                <a:latin typeface="Consolas"/>
-              </a:rPr>
-              <a:t>    { name: </a:t>
-            </a:r>
-            <a:r>
-              <a:rPr lang="nl-NL" sz="2800" dirty="0">
-                <a:solidFill>
-                  <a:srgbClr val="A31515"/>
-                </a:solidFill>
-                <a:highlight>
-                  <a:srgbClr val="FFFFFF"/>
-                </a:highlight>
-                <a:latin typeface="Consolas"/>
-              </a:rPr>
-              <a:t>'Volkswagen'</a:t>
-            </a:r>
-            <a:r>
-              <a:rPr lang="nl-NL" sz="2800" dirty="0">
-                <a:solidFill>
-                  <a:srgbClr val="000000"/>
-                </a:solidFill>
-                <a:highlight>
-                  <a:srgbClr val="FFFFFF"/>
-                </a:highlight>
-                <a:latin typeface="Consolas"/>
-              </a:rPr>
-              <a:t>, model: </a:t>
-            </a:r>
-            <a:r>
-              <a:rPr lang="nl-NL" sz="2800" dirty="0">
-                <a:solidFill>
-                  <a:srgbClr val="A31515"/>
-                </a:solidFill>
-                <a:highlight>
-                  <a:srgbClr val="FFFFFF"/>
-                </a:highlight>
-                <a:latin typeface="Consolas"/>
-              </a:rPr>
-              <a:t>'Polo'</a:t>
-            </a:r>
-            <a:r>
-              <a:rPr lang="nl-NL" sz="2800" dirty="0">
-                <a:solidFill>
-                  <a:srgbClr val="000000"/>
-                </a:solidFill>
-                <a:highlight>
-                  <a:srgbClr val="FFFFFF"/>
-                </a:highlight>
-                <a:latin typeface="Consolas"/>
-              </a:rPr>
-              <a:t> },</a:t>
-            </a:r>
-          </a:p>
-          <a:p>
-            <a:pPr marL="109728" indent="0">
-              <a:buNone/>
-            </a:pPr>
-            <a:r>
-              <a:rPr lang="nl-NL" sz="2800" dirty="0">
-                <a:solidFill>
-                  <a:srgbClr val="000000"/>
-                </a:solidFill>
-                <a:highlight>
-                  <a:srgbClr val="FFFFFF"/>
-                </a:highlight>
-                <a:latin typeface="Consolas"/>
-              </a:rPr>
-              <a:t>    </a:t>
-            </a:r>
-            <a:r>
-              <a:rPr lang="nl-NL" sz="2800" dirty="0">
-                <a:solidFill>
-                  <a:srgbClr val="A31515"/>
-                </a:solidFill>
-                <a:highlight>
-                  <a:srgbClr val="FFFFFF"/>
-                </a:highlight>
-                <a:latin typeface="Consolas"/>
-              </a:rPr>
-              <a:t>'</a:t>
-            </a:r>
-            <a:r>
-              <a:rPr lang="nl-NL" sz="2800" dirty="0" err="1">
-                <a:solidFill>
-                  <a:srgbClr val="A31515"/>
-                </a:solidFill>
-                <a:highlight>
-                  <a:srgbClr val="FFFFFF"/>
-                </a:highlight>
-                <a:latin typeface="Consolas"/>
-              </a:rPr>
-              <a:t>text</a:t>
-            </a:r>
-            <a:r>
-              <a:rPr lang="nl-NL" sz="2800" dirty="0">
-                <a:solidFill>
-                  <a:srgbClr val="A31515"/>
-                </a:solidFill>
-                <a:highlight>
-                  <a:srgbClr val="FFFFFF"/>
-                </a:highlight>
-                <a:latin typeface="Consolas"/>
-              </a:rPr>
-              <a:t>'</a:t>
-            </a:r>
-            <a:endParaRPr lang="nl-NL" sz="2800" dirty="0">
-              <a:solidFill>
-                <a:srgbClr val="000000"/>
-              </a:solidFill>
-              <a:highlight>
-                <a:srgbClr val="FFFFFF"/>
-              </a:highlight>
-              <a:latin typeface="Consolas"/>
-            </a:endParaRPr>
-          </a:p>
-          <a:p>
-            <a:pPr marL="109728" indent="0">
-              <a:buNone/>
-            </a:pPr>
-            <a:r>
-              <a:rPr lang="nl-NL" sz="2800" dirty="0">
-                <a:solidFill>
-                  <a:srgbClr val="000000"/>
-                </a:solidFill>
-                <a:highlight>
-                  <a:srgbClr val="FFFFFF"/>
-                </a:highlight>
-                <a:latin typeface="Consolas"/>
-              </a:rPr>
-              <a:t>];</a:t>
-            </a:r>
-            <a:endParaRPr lang="nl-NL" dirty="0"/>
+                  <a:srgbClr val="000000"/>
+                </a:solidFill>
+                <a:highlight>
+                  <a:srgbClr val="FFFFFF"/>
+                </a:highlight>
+                <a:latin typeface="Consolas"/>
+              </a:rPr>
+              <a:t>position2.x = 3; </a:t>
+            </a:r>
+            <a:r>
+              <a:rPr lang="nl-NL" sz="2800" dirty="0">
+                <a:solidFill>
+                  <a:srgbClr val="008000"/>
+                </a:solidFill>
+                <a:highlight>
+                  <a:srgbClr val="FFFFFF"/>
+                </a:highlight>
+                <a:latin typeface="Consolas"/>
+              </a:rPr>
+              <a:t>// veranderd ook position1.x!</a:t>
+            </a:r>
+            <a:endParaRPr lang="nl-NL" dirty="0" smtClean="0"/>
           </a:p>
         </p:txBody>
       </p:sp>
@@ -9062,8 +8787,12 @@
           <a:lstStyle/>
           <a:p>
             <a:r>
-              <a:rPr lang="en-US" dirty="0" smtClean="0"/>
-              <a:t>Arrays</a:t>
+              <a:rPr lang="nl-NL" dirty="0" smtClean="0"/>
+              <a:t>Object </a:t>
+            </a:r>
+            <a:r>
+              <a:rPr lang="nl-NL" dirty="0" err="1" smtClean="0"/>
+              <a:t>reference</a:t>
             </a:r>
             <a:endParaRPr lang="nl-NL" dirty="0"/>
           </a:p>
@@ -9072,7 +8801,7 @@
     </p:spTree>
     <p:extLst>
       <p:ext uri="{BB962C8B-B14F-4D97-AF65-F5344CB8AC3E}">
-        <p14:creationId xmlns:p14="http://schemas.microsoft.com/office/powerpoint/2010/main" val="1309889651"/>
+        <p14:creationId xmlns:p14="http://schemas.microsoft.com/office/powerpoint/2010/main" val="2264413956"/>
       </p:ext>
     </p:extLst>
   </p:cSld>
@@ -9118,14 +8847,42 @@
         </p:nvSpPr>
         <p:spPr/>
         <p:txBody>
-          <a:bodyPr/>
+          <a:bodyPr>
+            <a:normAutofit fontScale="92500" lnSpcReduction="10000"/>
+          </a:bodyPr>
           <a:lstStyle/>
           <a:p>
+            <a:r>
+              <a:rPr lang="nl-NL" dirty="0" smtClean="0"/>
+              <a:t>Speciale objecten</a:t>
+            </a:r>
+          </a:p>
+          <a:p>
+            <a:r>
+              <a:rPr lang="nl-NL" dirty="0" smtClean="0"/>
+              <a:t>Kan meerdere types bevatten</a:t>
+            </a:r>
+          </a:p>
+          <a:p>
             <a:pPr marL="109728" indent="0">
               <a:buNone/>
             </a:pPr>
-            <a:r>
-              <a:rPr lang="nl-NL" sz="2800" dirty="0">
+            <a:endParaRPr lang="en-US" sz="2800" dirty="0" smtClean="0">
+              <a:solidFill>
+                <a:srgbClr val="0000FF"/>
+              </a:solidFill>
+              <a:highlight>
+                <a:srgbClr val="FFFFFF"/>
+              </a:highlight>
+              <a:latin typeface="Consolas"/>
+            </a:endParaRPr>
+          </a:p>
+          <a:p>
+            <a:pPr marL="109728" indent="0">
+              <a:buNone/>
+            </a:pPr>
+            <a:r>
+              <a:rPr lang="en-US" sz="2800" dirty="0" err="1" smtClean="0">
                 <a:solidFill>
                   <a:srgbClr val="0000FF"/>
                 </a:solidFill>
@@ -9137,7 +8894,7 @@
               <a:t>var</a:t>
             </a:r>
             <a:r>
-              <a:rPr lang="nl-NL" sz="2800" dirty="0">
+              <a:rPr lang="en-US" sz="2800" dirty="0" smtClean="0">
                 <a:solidFill>
                   <a:srgbClr val="000000"/>
                 </a:solidFill>
@@ -9149,6 +8906,95 @@
               <a:t> </a:t>
             </a:r>
             <a:r>
+              <a:rPr lang="en-US" sz="2800" dirty="0">
+                <a:solidFill>
+                  <a:srgbClr val="000000"/>
+                </a:solidFill>
+                <a:highlight>
+                  <a:srgbClr val="FFFFFF"/>
+                </a:highlight>
+                <a:latin typeface="Consolas"/>
+              </a:rPr>
+              <a:t>colors = [</a:t>
+            </a:r>
+            <a:r>
+              <a:rPr lang="en-US" sz="2800" dirty="0">
+                <a:solidFill>
+                  <a:srgbClr val="A31515"/>
+                </a:solidFill>
+                <a:highlight>
+                  <a:srgbClr val="FFFFFF"/>
+                </a:highlight>
+                <a:latin typeface="Consolas"/>
+              </a:rPr>
+              <a:t>'Red'</a:t>
+            </a:r>
+            <a:r>
+              <a:rPr lang="en-US" sz="2800" dirty="0">
+                <a:solidFill>
+                  <a:srgbClr val="000000"/>
+                </a:solidFill>
+                <a:highlight>
+                  <a:srgbClr val="FFFFFF"/>
+                </a:highlight>
+                <a:latin typeface="Consolas"/>
+              </a:rPr>
+              <a:t>, </a:t>
+            </a:r>
+            <a:r>
+              <a:rPr lang="en-US" sz="2800" dirty="0">
+                <a:solidFill>
+                  <a:srgbClr val="A31515"/>
+                </a:solidFill>
+                <a:highlight>
+                  <a:srgbClr val="FFFFFF"/>
+                </a:highlight>
+                <a:latin typeface="Consolas"/>
+              </a:rPr>
+              <a:t>'Green'</a:t>
+            </a:r>
+            <a:r>
+              <a:rPr lang="en-US" sz="2800" dirty="0">
+                <a:solidFill>
+                  <a:srgbClr val="000000"/>
+                </a:solidFill>
+                <a:highlight>
+                  <a:srgbClr val="FFFFFF"/>
+                </a:highlight>
+                <a:latin typeface="Consolas"/>
+              </a:rPr>
+              <a:t>, </a:t>
+            </a:r>
+            <a:r>
+              <a:rPr lang="en-US" sz="2800" dirty="0">
+                <a:solidFill>
+                  <a:srgbClr val="A31515"/>
+                </a:solidFill>
+                <a:highlight>
+                  <a:srgbClr val="FFFFFF"/>
+                </a:highlight>
+                <a:latin typeface="Consolas"/>
+              </a:rPr>
+              <a:t>'Blue'</a:t>
+            </a:r>
+            <a:r>
+              <a:rPr lang="en-US" sz="2800" dirty="0">
+                <a:solidFill>
+                  <a:srgbClr val="000000"/>
+                </a:solidFill>
+                <a:highlight>
+                  <a:srgbClr val="FFFFFF"/>
+                </a:highlight>
+                <a:latin typeface="Consolas"/>
+              </a:rPr>
+              <a:t>];</a:t>
+            </a:r>
+          </a:p>
+          <a:p>
+            <a:pPr marL="109728" indent="0">
+              <a:buNone/>
+            </a:pPr>
+            <a:r>
               <a:rPr lang="nl-NL" sz="2800" dirty="0" err="1">
                 <a:solidFill>
                   <a:srgbClr val="000000"/>
@@ -9170,7 +9016,7 @@
                 </a:highlight>
                 <a:latin typeface="Consolas"/>
               </a:rPr>
-              <a:t> = [</a:t>
+              <a:t>[0] === </a:t>
             </a:r>
             <a:r>
               <a:rPr lang="nl-NL" sz="2800" dirty="0">
@@ -9194,126 +9040,13 @@
                 </a:highlight>
                 <a:latin typeface="Consolas"/>
               </a:rPr>
-              <a:t>, </a:t>
-            </a:r>
-            <a:r>
-              <a:rPr lang="nl-NL" sz="2800" dirty="0">
-                <a:solidFill>
-                  <a:srgbClr val="A31515"/>
-                </a:solidFill>
-                <a:highlight>
-                  <a:srgbClr val="FFFFFF"/>
-                </a:highlight>
-                <a:latin typeface="Consolas"/>
-              </a:rPr>
-              <a:t>'Green'</a:t>
-            </a:r>
-            <a:r>
-              <a:rPr lang="nl-NL" sz="2800" dirty="0">
-                <a:solidFill>
-                  <a:srgbClr val="000000"/>
-                </a:solidFill>
-                <a:highlight>
-                  <a:srgbClr val="FFFFFF"/>
-                </a:highlight>
-                <a:latin typeface="Consolas"/>
-              </a:rPr>
-              <a:t>];</a:t>
+              <a:t>;</a:t>
             </a:r>
           </a:p>
           <a:p>
             <a:pPr marL="109728" indent="0">
               <a:buNone/>
             </a:pPr>
-            <a:r>
-              <a:rPr lang="nl-NL" sz="2800" dirty="0" err="1">
-                <a:solidFill>
-                  <a:srgbClr val="000000"/>
-                </a:solidFill>
-                <a:highlight>
-                  <a:srgbClr val="FFFFFF"/>
-                </a:highlight>
-                <a:latin typeface="Consolas"/>
-              </a:rPr>
-              <a:t>colors.push</a:t>
-            </a:r>
-            <a:r>
-              <a:rPr lang="nl-NL" sz="2800" dirty="0">
-                <a:solidFill>
-                  <a:srgbClr val="000000"/>
-                </a:solidFill>
-                <a:highlight>
-                  <a:srgbClr val="FFFFFF"/>
-                </a:highlight>
-                <a:latin typeface="Consolas"/>
-              </a:rPr>
-              <a:t>(</a:t>
-            </a:r>
-            <a:r>
-              <a:rPr lang="nl-NL" sz="2800" dirty="0">
-                <a:solidFill>
-                  <a:srgbClr val="A31515"/>
-                </a:solidFill>
-                <a:highlight>
-                  <a:srgbClr val="FFFFFF"/>
-                </a:highlight>
-                <a:latin typeface="Consolas"/>
-              </a:rPr>
-              <a:t>'Blue'</a:t>
-            </a:r>
-            <a:r>
-              <a:rPr lang="nl-NL" sz="2800" dirty="0">
-                <a:solidFill>
-                  <a:srgbClr val="000000"/>
-                </a:solidFill>
-                <a:highlight>
-                  <a:srgbClr val="FFFFFF"/>
-                </a:highlight>
-                <a:latin typeface="Consolas"/>
-              </a:rPr>
-              <a:t>);</a:t>
-            </a:r>
-          </a:p>
-          <a:p>
-            <a:pPr marL="109728" indent="0">
-              <a:buNone/>
-            </a:pPr>
-            <a:r>
-              <a:rPr lang="nl-NL" sz="2800" dirty="0" err="1">
-                <a:solidFill>
-                  <a:srgbClr val="000000"/>
-                </a:solidFill>
-                <a:highlight>
-                  <a:srgbClr val="FFFFFF"/>
-                </a:highlight>
-                <a:latin typeface="Consolas"/>
-              </a:rPr>
-              <a:t>colors.length</a:t>
-            </a:r>
-            <a:r>
-              <a:rPr lang="nl-NL" sz="2800" dirty="0">
-                <a:solidFill>
-                  <a:srgbClr val="000000"/>
-                </a:solidFill>
-                <a:highlight>
-                  <a:srgbClr val="FFFFFF"/>
-                </a:highlight>
-                <a:latin typeface="Consolas"/>
-              </a:rPr>
-              <a:t>; </a:t>
-            </a:r>
-            <a:r>
-              <a:rPr lang="nl-NL" sz="2800" dirty="0">
-                <a:solidFill>
-                  <a:srgbClr val="008000"/>
-                </a:solidFill>
-                <a:highlight>
-                  <a:srgbClr val="FFFFFF"/>
-                </a:highlight>
-                <a:latin typeface="Consolas"/>
-              </a:rPr>
-              <a:t>// == 3</a:t>
-            </a:r>
             <a:endParaRPr lang="nl-NL" sz="2800" dirty="0">
               <a:solidFill>
                 <a:srgbClr val="000000"/>
@@ -9329,6 +9062,30 @@
               <a:buNone/>
             </a:pPr>
             <a:r>
+              <a:rPr lang="nl-NL" sz="2800" dirty="0">
+                <a:solidFill>
+                  <a:srgbClr val="0000FF"/>
+                </a:solidFill>
+                <a:highlight>
+                  <a:srgbClr val="FFFFFF"/>
+                </a:highlight>
+                <a:latin typeface="Consolas"/>
+              </a:rPr>
+              <a:t>var</a:t>
+            </a:r>
+            <a:r>
+              <a:rPr lang="nl-NL" sz="2800" dirty="0">
+                <a:solidFill>
+                  <a:srgbClr val="000000"/>
+                </a:solidFill>
+                <a:highlight>
+                  <a:srgbClr val="FFFFFF"/>
+                </a:highlight>
+                <a:latin typeface="Consolas"/>
+              </a:rPr>
+              <a:t> </a:t>
+            </a:r>
+            <a:r>
               <a:rPr lang="nl-NL" sz="2800" dirty="0" err="1">
                 <a:solidFill>
                   <a:srgbClr val="000000"/>
@@ -9338,19 +9095,19 @@
                 </a:highlight>
                 <a:latin typeface="Consolas"/>
               </a:rPr>
-              <a:t>colors.pop</a:t>
-            </a:r>
-            <a:r>
-              <a:rPr lang="nl-NL" sz="2800" dirty="0">
-                <a:solidFill>
-                  <a:srgbClr val="000000"/>
-                </a:solidFill>
-                <a:highlight>
-                  <a:srgbClr val="FFFFFF"/>
-                </a:highlight>
-                <a:latin typeface="Consolas"/>
-              </a:rPr>
-              <a:t>();</a:t>
+              <a:t>collection</a:t>
+            </a:r>
+            <a:r>
+              <a:rPr lang="nl-NL" sz="2800" dirty="0">
+                <a:solidFill>
+                  <a:srgbClr val="000000"/>
+                </a:solidFill>
+                <a:highlight>
+                  <a:srgbClr val="FFFFFF"/>
+                </a:highlight>
+                <a:latin typeface="Consolas"/>
+              </a:rPr>
+              <a:t> = [</a:t>
             </a:r>
           </a:p>
           <a:p>
@@ -9358,40 +9115,160 @@
               <a:buNone/>
             </a:pPr>
             <a:r>
+              <a:rPr lang="nl-NL" sz="2800" dirty="0">
+                <a:solidFill>
+                  <a:srgbClr val="000000"/>
+                </a:solidFill>
+                <a:highlight>
+                  <a:srgbClr val="FFFFFF"/>
+                </a:highlight>
+                <a:latin typeface="Consolas"/>
+              </a:rPr>
+              <a:t>    12,</a:t>
+            </a:r>
+          </a:p>
+          <a:p>
+            <a:pPr marL="109728" indent="0">
+              <a:buNone/>
+            </a:pPr>
+            <a:r>
+              <a:rPr lang="nl-NL" sz="2800" dirty="0">
+                <a:solidFill>
+                  <a:srgbClr val="000000"/>
+                </a:solidFill>
+                <a:highlight>
+                  <a:srgbClr val="FFFFFF"/>
+                </a:highlight>
+                <a:latin typeface="Consolas"/>
+              </a:rPr>
+              <a:t>    { name: </a:t>
+            </a:r>
+            <a:r>
+              <a:rPr lang="nl-NL" sz="2800" dirty="0">
+                <a:solidFill>
+                  <a:srgbClr val="A31515"/>
+                </a:solidFill>
+                <a:highlight>
+                  <a:srgbClr val="FFFFFF"/>
+                </a:highlight>
+                <a:latin typeface="Consolas"/>
+              </a:rPr>
+              <a:t>'Volkswagen'</a:t>
+            </a:r>
+            <a:r>
+              <a:rPr lang="nl-NL" sz="2800" dirty="0">
+                <a:solidFill>
+                  <a:srgbClr val="000000"/>
+                </a:solidFill>
+                <a:highlight>
+                  <a:srgbClr val="FFFFFF"/>
+                </a:highlight>
+                <a:latin typeface="Consolas"/>
+              </a:rPr>
+              <a:t>, model: </a:t>
+            </a:r>
+            <a:r>
+              <a:rPr lang="nl-NL" sz="2800" dirty="0">
+                <a:solidFill>
+                  <a:srgbClr val="A31515"/>
+                </a:solidFill>
+                <a:highlight>
+                  <a:srgbClr val="FFFFFF"/>
+                </a:highlight>
+                <a:latin typeface="Consolas"/>
+              </a:rPr>
+              <a:t>'Polo'</a:t>
+            </a:r>
+            <a:r>
+              <a:rPr lang="nl-NL" sz="2800" dirty="0">
+                <a:solidFill>
+                  <a:srgbClr val="000000"/>
+                </a:solidFill>
+                <a:highlight>
+                  <a:srgbClr val="FFFFFF"/>
+                </a:highlight>
+                <a:latin typeface="Consolas"/>
+              </a:rPr>
+              <a:t> },</a:t>
+            </a:r>
+          </a:p>
+          <a:p>
+            <a:pPr marL="109728" indent="0">
+              <a:buNone/>
+            </a:pPr>
+            <a:r>
+              <a:rPr lang="nl-NL" sz="2800" dirty="0">
+                <a:solidFill>
+                  <a:srgbClr val="000000"/>
+                </a:solidFill>
+                <a:highlight>
+                  <a:srgbClr val="FFFFFF"/>
+                </a:highlight>
+                <a:latin typeface="Consolas"/>
+              </a:rPr>
+              <a:t>    </a:t>
+            </a:r>
+            <a:r>
+              <a:rPr lang="nl-NL" sz="2800" dirty="0">
+                <a:solidFill>
+                  <a:srgbClr val="A31515"/>
+                </a:solidFill>
+                <a:highlight>
+                  <a:srgbClr val="FFFFFF"/>
+                </a:highlight>
+                <a:latin typeface="Consolas"/>
+              </a:rPr>
+              <a:t>'</a:t>
+            </a:r>
+            <a:r>
               <a:rPr lang="nl-NL" sz="2800" dirty="0" err="1">
                 <a:solidFill>
-                  <a:srgbClr val="000000"/>
-                </a:solidFill>
-                <a:highlight>
-                  <a:srgbClr val="FFFFFF"/>
-                </a:highlight>
-                <a:latin typeface="Consolas"/>
-              </a:rPr>
-              <a:t>colors</a:t>
-            </a:r>
-            <a:r>
-              <a:rPr lang="nl-NL" sz="2800" dirty="0">
-                <a:solidFill>
-                  <a:srgbClr val="000000"/>
-                </a:solidFill>
-                <a:highlight>
-                  <a:srgbClr val="FFFFFF"/>
-                </a:highlight>
-                <a:latin typeface="Consolas"/>
-              </a:rPr>
-              <a:t>; </a:t>
-            </a:r>
-            <a:r>
-              <a:rPr lang="nl-NL" sz="2800" dirty="0">
-                <a:solidFill>
-                  <a:srgbClr val="008000"/>
-                </a:solidFill>
-                <a:highlight>
-                  <a:srgbClr val="FFFFFF"/>
-                </a:highlight>
-                <a:latin typeface="Consolas"/>
-              </a:rPr>
-              <a:t>// ['Red', 'Green']</a:t>
+                  <a:srgbClr val="A31515"/>
+                </a:solidFill>
+                <a:highlight>
+                  <a:srgbClr val="FFFFFF"/>
+                </a:highlight>
+                <a:latin typeface="Consolas"/>
+              </a:rPr>
+              <a:t>text</a:t>
+            </a:r>
+            <a:r>
+              <a:rPr lang="nl-NL" sz="2800" dirty="0">
+                <a:solidFill>
+                  <a:srgbClr val="A31515"/>
+                </a:solidFill>
+                <a:highlight>
+                  <a:srgbClr val="FFFFFF"/>
+                </a:highlight>
+                <a:latin typeface="Consolas"/>
+              </a:rPr>
+              <a:t>'</a:t>
+            </a:r>
+            <a:endParaRPr lang="nl-NL" sz="2800" dirty="0">
+              <a:solidFill>
+                <a:srgbClr val="000000"/>
+              </a:solidFill>
+              <a:highlight>
+                <a:srgbClr val="FFFFFF"/>
+              </a:highlight>
+              <a:latin typeface="Consolas"/>
+            </a:endParaRPr>
+          </a:p>
+          <a:p>
+            <a:pPr marL="109728" indent="0">
+              <a:buNone/>
+            </a:pPr>
+            <a:r>
+              <a:rPr lang="nl-NL" sz="2800" dirty="0">
+                <a:solidFill>
+                  <a:srgbClr val="000000"/>
+                </a:solidFill>
+                <a:highlight>
+                  <a:srgbClr val="FFFFFF"/>
+                </a:highlight>
+                <a:latin typeface="Consolas"/>
+              </a:rPr>
+              <a:t>];</a:t>
             </a:r>
             <a:endParaRPr lang="nl-NL" dirty="0"/>
           </a:p>
@@ -9414,7 +9291,7 @@
           <a:p>
             <a:r>
               <a:rPr lang="en-US" dirty="0" smtClean="0"/>
-              <a:t>Array properties</a:t>
+              <a:t>Arrays</a:t>
             </a:r>
             <a:endParaRPr lang="nl-NL" dirty="0"/>
           </a:p>
@@ -9423,7 +9300,7 @@
     </p:spTree>
     <p:extLst>
       <p:ext uri="{BB962C8B-B14F-4D97-AF65-F5344CB8AC3E}">
-        <p14:creationId xmlns:p14="http://schemas.microsoft.com/office/powerpoint/2010/main" val="3767743752"/>
+        <p14:creationId xmlns:p14="http://schemas.microsoft.com/office/powerpoint/2010/main" val="1309889651"/>
       </p:ext>
     </p:extLst>
   </p:cSld>
@@ -9587,75 +9464,160 @@
         </p:nvSpPr>
         <p:spPr/>
         <p:txBody>
-          <a:bodyPr>
-            <a:normAutofit fontScale="85000" lnSpcReduction="20000"/>
-          </a:bodyPr>
+          <a:bodyPr/>
           <a:lstStyle/>
           <a:p>
-            <a:r>
-              <a:rPr lang="nl-NL" dirty="0" smtClean="0"/>
-              <a:t>Set van variabelen, objecten en functies waar je toegang tot hebt</a:t>
-            </a:r>
-          </a:p>
-          <a:p>
-            <a:r>
-              <a:rPr lang="nl-NL" dirty="0" smtClean="0"/>
-              <a:t>Alleen functies creëren nieuwe scope</a:t>
-            </a:r>
-          </a:p>
-          <a:p>
             <a:pPr marL="109728" indent="0">
               <a:buNone/>
             </a:pPr>
-            <a:endParaRPr lang="nl-NL" sz="2800" dirty="0" smtClean="0">
-              <a:solidFill>
-                <a:srgbClr val="0000FF"/>
-              </a:solidFill>
-              <a:highlight>
-                <a:srgbClr val="FFFFFF"/>
-              </a:highlight>
-              <a:latin typeface="Consolas"/>
-            </a:endParaRPr>
+            <a:r>
+              <a:rPr lang="nl-NL" sz="2800" dirty="0">
+                <a:solidFill>
+                  <a:srgbClr val="0000FF"/>
+                </a:solidFill>
+                <a:highlight>
+                  <a:srgbClr val="FFFFFF"/>
+                </a:highlight>
+                <a:latin typeface="Consolas"/>
+              </a:rPr>
+              <a:t>var</a:t>
+            </a:r>
+            <a:r>
+              <a:rPr lang="nl-NL" sz="2800" dirty="0">
+                <a:solidFill>
+                  <a:srgbClr val="000000"/>
+                </a:solidFill>
+                <a:highlight>
+                  <a:srgbClr val="FFFFFF"/>
+                </a:highlight>
+                <a:latin typeface="Consolas"/>
+              </a:rPr>
+              <a:t> </a:t>
+            </a:r>
+            <a:r>
+              <a:rPr lang="nl-NL" sz="2800" dirty="0" err="1">
+                <a:solidFill>
+                  <a:srgbClr val="000000"/>
+                </a:solidFill>
+                <a:highlight>
+                  <a:srgbClr val="FFFFFF"/>
+                </a:highlight>
+                <a:latin typeface="Consolas"/>
+              </a:rPr>
+              <a:t>colors</a:t>
+            </a:r>
+            <a:r>
+              <a:rPr lang="nl-NL" sz="2800" dirty="0">
+                <a:solidFill>
+                  <a:srgbClr val="000000"/>
+                </a:solidFill>
+                <a:highlight>
+                  <a:srgbClr val="FFFFFF"/>
+                </a:highlight>
+                <a:latin typeface="Consolas"/>
+              </a:rPr>
+              <a:t> = [</a:t>
+            </a:r>
+            <a:r>
+              <a:rPr lang="nl-NL" sz="2800" dirty="0">
+                <a:solidFill>
+                  <a:srgbClr val="A31515"/>
+                </a:solidFill>
+                <a:highlight>
+                  <a:srgbClr val="FFFFFF"/>
+                </a:highlight>
+                <a:latin typeface="Consolas"/>
+              </a:rPr>
+              <a:t>'Red'</a:t>
+            </a:r>
+            <a:r>
+              <a:rPr lang="nl-NL" sz="2800" dirty="0">
+                <a:solidFill>
+                  <a:srgbClr val="000000"/>
+                </a:solidFill>
+                <a:highlight>
+                  <a:srgbClr val="FFFFFF"/>
+                </a:highlight>
+                <a:latin typeface="Consolas"/>
+              </a:rPr>
+              <a:t>, </a:t>
+            </a:r>
+            <a:r>
+              <a:rPr lang="nl-NL" sz="2800" dirty="0">
+                <a:solidFill>
+                  <a:srgbClr val="A31515"/>
+                </a:solidFill>
+                <a:highlight>
+                  <a:srgbClr val="FFFFFF"/>
+                </a:highlight>
+                <a:latin typeface="Consolas"/>
+              </a:rPr>
+              <a:t>'Green'</a:t>
+            </a:r>
+            <a:r>
+              <a:rPr lang="nl-NL" sz="2800" dirty="0">
+                <a:solidFill>
+                  <a:srgbClr val="000000"/>
+                </a:solidFill>
+                <a:highlight>
+                  <a:srgbClr val="FFFFFF"/>
+                </a:highlight>
+                <a:latin typeface="Consolas"/>
+              </a:rPr>
+              <a:t>];</a:t>
+            </a:r>
           </a:p>
           <a:p>
             <a:pPr marL="109728" indent="0">
               <a:buNone/>
             </a:pPr>
             <a:r>
-              <a:rPr lang="nl-NL" sz="2800" dirty="0" err="1" smtClean="0">
-                <a:solidFill>
-                  <a:srgbClr val="0000FF"/>
-                </a:solidFill>
-                <a:highlight>
-                  <a:srgbClr val="FFFFFF"/>
-                </a:highlight>
-                <a:latin typeface="Consolas"/>
-              </a:rPr>
-              <a:t>function</a:t>
-            </a:r>
-            <a:r>
-              <a:rPr lang="nl-NL" sz="2800" dirty="0" smtClean="0">
-                <a:solidFill>
-                  <a:srgbClr val="000000"/>
-                </a:solidFill>
-                <a:highlight>
-                  <a:srgbClr val="FFFFFF"/>
-                </a:highlight>
-                <a:latin typeface="Consolas"/>
-              </a:rPr>
-              <a:t> </a:t>
-            </a:r>
-            <a:r>
-              <a:rPr lang="nl-NL" sz="2800" dirty="0">
-                <a:solidFill>
-                  <a:srgbClr val="000000"/>
-                </a:solidFill>
-                <a:highlight>
-                  <a:srgbClr val="FFFFFF"/>
-                </a:highlight>
-                <a:latin typeface="Consolas"/>
-              </a:rPr>
-              <a:t>scope() {</a:t>
+              <a:rPr lang="nl-NL" sz="2800" dirty="0" err="1">
+                <a:solidFill>
+                  <a:srgbClr val="000000"/>
+                </a:solidFill>
+                <a:highlight>
+                  <a:srgbClr val="FFFFFF"/>
+                </a:highlight>
+                <a:latin typeface="Consolas"/>
+              </a:rPr>
+              <a:t>colors.push</a:t>
+            </a:r>
+            <a:r>
+              <a:rPr lang="nl-NL" sz="2800" dirty="0">
+                <a:solidFill>
+                  <a:srgbClr val="000000"/>
+                </a:solidFill>
+                <a:highlight>
+                  <a:srgbClr val="FFFFFF"/>
+                </a:highlight>
+                <a:latin typeface="Consolas"/>
+              </a:rPr>
+              <a:t>(</a:t>
+            </a:r>
+            <a:r>
+              <a:rPr lang="nl-NL" sz="2800" dirty="0">
+                <a:solidFill>
+                  <a:srgbClr val="A31515"/>
+                </a:solidFill>
+                <a:highlight>
+                  <a:srgbClr val="FFFFFF"/>
+                </a:highlight>
+                <a:latin typeface="Consolas"/>
+              </a:rPr>
+              <a:t>'Blue'</a:t>
+            </a:r>
+            <a:r>
+              <a:rPr lang="nl-NL" sz="2800" dirty="0">
+                <a:solidFill>
+                  <a:srgbClr val="000000"/>
+                </a:solidFill>
+                <a:highlight>
+                  <a:srgbClr val="FFFFFF"/>
+                </a:highlight>
+                <a:latin typeface="Consolas"/>
+              </a:rPr>
+              <a:t>);</a:t>
             </a:r>
           </a:p>
           <a:p>
@@ -9663,16 +9625,28 @@
               <a:buNone/>
             </a:pPr>
             <a:r>
-              <a:rPr lang="nl-NL" sz="2800" dirty="0">
-                <a:solidFill>
-                  <a:srgbClr val="000000"/>
-                </a:solidFill>
-                <a:highlight>
-                  <a:srgbClr val="FFFFFF"/>
-                </a:highlight>
-                <a:latin typeface="Consolas"/>
-              </a:rPr>
-              <a:t>    </a:t>
+              <a:rPr lang="nl-NL" sz="2800" dirty="0" err="1">
+                <a:solidFill>
+                  <a:srgbClr val="000000"/>
+                </a:solidFill>
+                <a:highlight>
+                  <a:srgbClr val="FFFFFF"/>
+                </a:highlight>
+                <a:latin typeface="Consolas"/>
+              </a:rPr>
+              <a:t>colors.length</a:t>
+            </a:r>
+            <a:r>
+              <a:rPr lang="nl-NL" sz="2800" dirty="0">
+                <a:solidFill>
+                  <a:srgbClr val="000000"/>
+                </a:solidFill>
+                <a:highlight>
+                  <a:srgbClr val="FFFFFF"/>
+                </a:highlight>
+                <a:latin typeface="Consolas"/>
+              </a:rPr>
+              <a:t>; </a:t>
             </a:r>
             <a:r>
               <a:rPr lang="nl-NL" sz="2800" dirty="0">
@@ -9684,7 +9658,7 @@
                 </a:highlight>
                 <a:latin typeface="Consolas"/>
               </a:rPr>
-              <a:t>// geen nieuwe scopes</a:t>
+              <a:t>// == 3</a:t>
             </a:r>
             <a:endParaRPr lang="nl-NL" sz="2800" dirty="0">
               <a:solidFill>
@@ -9701,221 +9675,57 @@
               <a:buNone/>
             </a:pPr>
             <a:r>
-              <a:rPr lang="nl-NL" sz="2800" dirty="0">
-                <a:solidFill>
-                  <a:srgbClr val="000000"/>
-                </a:solidFill>
-                <a:highlight>
-                  <a:srgbClr val="FFFFFF"/>
-                </a:highlight>
-                <a:latin typeface="Consolas"/>
-              </a:rPr>
-              <a:t>    </a:t>
-            </a:r>
-            <a:r>
               <a:rPr lang="nl-NL" sz="2800" dirty="0" err="1">
                 <a:solidFill>
-                  <a:srgbClr val="0000FF"/>
-                </a:solidFill>
-                <a:highlight>
-                  <a:srgbClr val="FFFFFF"/>
-                </a:highlight>
-                <a:latin typeface="Consolas"/>
-              </a:rPr>
-              <a:t>if</a:t>
-            </a:r>
-            <a:r>
-              <a:rPr lang="nl-NL" sz="2800" dirty="0">
-                <a:solidFill>
-                  <a:srgbClr val="000000"/>
-                </a:solidFill>
-                <a:highlight>
-                  <a:srgbClr val="FFFFFF"/>
-                </a:highlight>
-                <a:latin typeface="Consolas"/>
-              </a:rPr>
-              <a:t> (</a:t>
-            </a:r>
+                  <a:srgbClr val="000000"/>
+                </a:solidFill>
+                <a:highlight>
+                  <a:srgbClr val="FFFFFF"/>
+                </a:highlight>
+                <a:latin typeface="Consolas"/>
+              </a:rPr>
+              <a:t>colors.pop</a:t>
+            </a:r>
+            <a:r>
+              <a:rPr lang="nl-NL" sz="2800" dirty="0">
+                <a:solidFill>
+                  <a:srgbClr val="000000"/>
+                </a:solidFill>
+                <a:highlight>
+                  <a:srgbClr val="FFFFFF"/>
+                </a:highlight>
+                <a:latin typeface="Consolas"/>
+              </a:rPr>
+              <a:t>();</a:t>
+            </a:r>
+          </a:p>
+          <a:p>
+            <a:pPr marL="109728" indent="0">
+              <a:buNone/>
+            </a:pPr>
             <a:r>
               <a:rPr lang="nl-NL" sz="2800" dirty="0" err="1">
                 <a:solidFill>
-                  <a:srgbClr val="0000FF"/>
-                </a:solidFill>
-                <a:highlight>
-                  <a:srgbClr val="FFFFFF"/>
-                </a:highlight>
-                <a:latin typeface="Consolas"/>
-              </a:rPr>
-              <a:t>true</a:t>
-            </a:r>
-            <a:r>
-              <a:rPr lang="nl-NL" sz="2800" dirty="0">
-                <a:solidFill>
-                  <a:srgbClr val="000000"/>
-                </a:solidFill>
-                <a:highlight>
-                  <a:srgbClr val="FFFFFF"/>
-                </a:highlight>
-                <a:latin typeface="Consolas"/>
-              </a:rPr>
-              <a:t>) {</a:t>
-            </a:r>
-          </a:p>
-          <a:p>
-            <a:pPr marL="109728" indent="0">
-              <a:buNone/>
-            </a:pPr>
-            <a:r>
-              <a:rPr lang="nl-NL" sz="2800" dirty="0">
-                <a:solidFill>
-                  <a:srgbClr val="000000"/>
-                </a:solidFill>
-                <a:highlight>
-                  <a:srgbClr val="FFFFFF"/>
-                </a:highlight>
-                <a:latin typeface="Consolas"/>
-              </a:rPr>
-              <a:t>        </a:t>
-            </a:r>
-            <a:r>
-              <a:rPr lang="nl-NL" sz="2800" dirty="0">
-                <a:solidFill>
-                  <a:srgbClr val="0000FF"/>
-                </a:solidFill>
-                <a:highlight>
-                  <a:srgbClr val="FFFFFF"/>
-                </a:highlight>
-                <a:latin typeface="Consolas"/>
-              </a:rPr>
-              <a:t>var</a:t>
-            </a:r>
-            <a:r>
-              <a:rPr lang="nl-NL" sz="2800" dirty="0">
-                <a:solidFill>
-                  <a:srgbClr val="000000"/>
-                </a:solidFill>
-                <a:highlight>
-                  <a:srgbClr val="FFFFFF"/>
-                </a:highlight>
-                <a:latin typeface="Consolas"/>
-              </a:rPr>
-              <a:t> x = 1;</a:t>
-            </a:r>
-          </a:p>
-          <a:p>
-            <a:pPr marL="109728" indent="0">
-              <a:buNone/>
-            </a:pPr>
-            <a:r>
-              <a:rPr lang="nl-NL" sz="2800" dirty="0">
-                <a:solidFill>
-                  <a:srgbClr val="000000"/>
-                </a:solidFill>
-                <a:highlight>
-                  <a:srgbClr val="FFFFFF"/>
-                </a:highlight>
-                <a:latin typeface="Consolas"/>
-              </a:rPr>
-              <a:t>    } </a:t>
-            </a:r>
-            <a:r>
-              <a:rPr lang="nl-NL" sz="2800" dirty="0" err="1">
-                <a:solidFill>
-                  <a:srgbClr val="0000FF"/>
-                </a:solidFill>
-                <a:highlight>
-                  <a:srgbClr val="FFFFFF"/>
-                </a:highlight>
-                <a:latin typeface="Consolas"/>
-              </a:rPr>
-              <a:t>else</a:t>
-            </a:r>
-            <a:r>
-              <a:rPr lang="nl-NL" sz="2800" dirty="0">
-                <a:solidFill>
-                  <a:srgbClr val="000000"/>
-                </a:solidFill>
-                <a:highlight>
-                  <a:srgbClr val="FFFFFF"/>
-                </a:highlight>
-                <a:latin typeface="Consolas"/>
-              </a:rPr>
-              <a:t> {</a:t>
-            </a:r>
-          </a:p>
-          <a:p>
-            <a:pPr marL="109728" indent="0">
-              <a:buNone/>
-            </a:pPr>
-            <a:r>
-              <a:rPr lang="nl-NL" sz="2800" dirty="0">
-                <a:solidFill>
-                  <a:srgbClr val="000000"/>
-                </a:solidFill>
-                <a:highlight>
-                  <a:srgbClr val="FFFFFF"/>
-                </a:highlight>
-                <a:latin typeface="Consolas"/>
-              </a:rPr>
-              <a:t>        </a:t>
-            </a:r>
-            <a:r>
-              <a:rPr lang="nl-NL" sz="2800" dirty="0">
-                <a:solidFill>
-                  <a:srgbClr val="0000FF"/>
-                </a:solidFill>
-                <a:highlight>
-                  <a:srgbClr val="FFFFFF"/>
-                </a:highlight>
-                <a:latin typeface="Consolas"/>
-              </a:rPr>
-              <a:t>var</a:t>
-            </a:r>
-            <a:r>
-              <a:rPr lang="nl-NL" sz="2800" dirty="0">
-                <a:solidFill>
-                  <a:srgbClr val="000000"/>
-                </a:solidFill>
-                <a:highlight>
-                  <a:srgbClr val="FFFFFF"/>
-                </a:highlight>
-                <a:latin typeface="Consolas"/>
-              </a:rPr>
-              <a:t> x = 0;</a:t>
-            </a:r>
-          </a:p>
-          <a:p>
-            <a:pPr marL="109728" indent="0">
-              <a:buNone/>
-            </a:pPr>
-            <a:r>
-              <a:rPr lang="nl-NL" sz="2800" dirty="0">
-                <a:solidFill>
-                  <a:srgbClr val="000000"/>
-                </a:solidFill>
-                <a:highlight>
-                  <a:srgbClr val="FFFFFF"/>
-                </a:highlight>
-                <a:latin typeface="Consolas"/>
-              </a:rPr>
-              <a:t>    }</a:t>
-            </a:r>
-          </a:p>
-          <a:p>
-            <a:pPr marL="109728" indent="0">
-              <a:buNone/>
-            </a:pPr>
-            <a:r>
-              <a:rPr lang="nl-NL" sz="2800" dirty="0">
-                <a:solidFill>
-                  <a:srgbClr val="000000"/>
-                </a:solidFill>
-                <a:highlight>
-                  <a:srgbClr val="FFFFFF"/>
-                </a:highlight>
-                <a:latin typeface="Consolas"/>
-              </a:rPr>
-              <a:t>    x; </a:t>
+                  <a:srgbClr val="000000"/>
+                </a:solidFill>
+                <a:highlight>
+                  <a:srgbClr val="FFFFFF"/>
+                </a:highlight>
+                <a:latin typeface="Consolas"/>
+              </a:rPr>
+              <a:t>colors</a:t>
+            </a:r>
+            <a:r>
+              <a:rPr lang="nl-NL" sz="2800" dirty="0">
+                <a:solidFill>
+                  <a:srgbClr val="000000"/>
+                </a:solidFill>
+                <a:highlight>
+                  <a:srgbClr val="FFFFFF"/>
+                </a:highlight>
+                <a:latin typeface="Consolas"/>
+              </a:rPr>
+              <a:t>; </a:t>
             </a:r>
             <a:r>
               <a:rPr lang="nl-NL" sz="2800" dirty="0">
@@ -9927,43 +9737,9 @@
                 </a:highlight>
                 <a:latin typeface="Consolas"/>
               </a:rPr>
-              <a:t>// x bestaat hier nog</a:t>
-            </a:r>
-            <a:endParaRPr lang="nl-NL" sz="2800" dirty="0">
-              <a:solidFill>
-                <a:srgbClr val="000000"/>
-              </a:solidFill>
-              <a:highlight>
-                <a:srgbClr val="FFFFFF"/>
-              </a:highlight>
-              <a:latin typeface="Consolas"/>
-            </a:endParaRPr>
-          </a:p>
-          <a:p>
-            <a:pPr marL="109728" indent="0">
-              <a:buNone/>
-            </a:pPr>
-            <a:r>
-              <a:rPr lang="nl-NL" sz="2800" dirty="0">
-                <a:solidFill>
-                  <a:srgbClr val="000000"/>
-                </a:solidFill>
-                <a:highlight>
-                  <a:srgbClr val="FFFFFF"/>
-                </a:highlight>
-                <a:latin typeface="Consolas"/>
-              </a:rPr>
-              <a:t>}</a:t>
-            </a:r>
-            <a:endParaRPr lang="nl-NL" sz="2800" dirty="0" smtClean="0">
-              <a:solidFill>
-                <a:srgbClr val="0000FF"/>
-              </a:solidFill>
-              <a:highlight>
-                <a:srgbClr val="FFFFFF"/>
-              </a:highlight>
-              <a:latin typeface="Consolas"/>
-            </a:endParaRPr>
+              <a:t>// ['Red', 'Green']</a:t>
+            </a:r>
+            <a:endParaRPr lang="nl-NL" dirty="0"/>
           </a:p>
         </p:txBody>
       </p:sp>
@@ -9984,7 +9760,7 @@
           <a:p>
             <a:r>
               <a:rPr lang="en-US" dirty="0" smtClean="0"/>
-              <a:t>Scope</a:t>
+              <a:t>Array properties</a:t>
             </a:r>
             <a:endParaRPr lang="nl-NL" dirty="0"/>
           </a:p>
@@ -9993,7 +9769,7 @@
     </p:spTree>
     <p:extLst>
       <p:ext uri="{BB962C8B-B14F-4D97-AF65-F5344CB8AC3E}">
-        <p14:creationId xmlns:p14="http://schemas.microsoft.com/office/powerpoint/2010/main" val="79557260"/>
+        <p14:creationId xmlns:p14="http://schemas.microsoft.com/office/powerpoint/2010/main" val="3767743752"/>
       </p:ext>
     </p:extLst>
   </p:cSld>
@@ -10039,61 +9815,56 @@
         </p:nvSpPr>
         <p:spPr/>
         <p:txBody>
-          <a:bodyPr/>
+          <a:bodyPr>
+            <a:normAutofit fontScale="85000" lnSpcReduction="20000"/>
+          </a:bodyPr>
           <a:lstStyle/>
           <a:p>
             <a:r>
               <a:rPr lang="nl-NL" dirty="0" smtClean="0"/>
-              <a:t>Handig voor bij het debuggen</a:t>
-            </a:r>
-          </a:p>
-          <a:p>
-            <a:endParaRPr lang="nl-NL" dirty="0" smtClean="0"/>
+              <a:t>Set van variabelen, objecten en functies waar je toegang tot hebt</a:t>
+            </a:r>
+          </a:p>
+          <a:p>
+            <a:r>
+              <a:rPr lang="nl-NL" dirty="0" smtClean="0"/>
+              <a:t>Alleen functies creëren nieuwe scope</a:t>
+            </a:r>
           </a:p>
           <a:p>
             <a:pPr marL="109728" indent="0">
               <a:buNone/>
             </a:pPr>
-            <a:r>
-              <a:rPr lang="nl-NL" sz="2800" dirty="0">
-                <a:solidFill>
-                  <a:srgbClr val="000000"/>
-                </a:solidFill>
-                <a:highlight>
-                  <a:srgbClr val="FFFFFF"/>
-                </a:highlight>
-                <a:latin typeface="Consolas"/>
-              </a:rPr>
-              <a:t>alert(</a:t>
-            </a:r>
-            <a:r>
-              <a:rPr lang="nl-NL" sz="2800" dirty="0">
-                <a:solidFill>
-                  <a:srgbClr val="A31515"/>
-                </a:solidFill>
-                <a:highlight>
-                  <a:srgbClr val="FFFFFF"/>
-                </a:highlight>
-                <a:latin typeface="Consolas"/>
-              </a:rPr>
-              <a:t>'</a:t>
-            </a:r>
-            <a:r>
-              <a:rPr lang="nl-NL" sz="2800" dirty="0" err="1">
-                <a:solidFill>
-                  <a:srgbClr val="A31515"/>
-                </a:solidFill>
-                <a:highlight>
-                  <a:srgbClr val="FFFFFF"/>
-                </a:highlight>
-                <a:latin typeface="Consolas"/>
-              </a:rPr>
-              <a:t>popup</a:t>
-            </a:r>
-            <a:r>
-              <a:rPr lang="nl-NL" sz="2800" dirty="0">
-                <a:solidFill>
-                  <a:srgbClr val="A31515"/>
+            <a:endParaRPr lang="nl-NL" sz="2800" dirty="0" smtClean="0">
+              <a:solidFill>
+                <a:srgbClr val="0000FF"/>
+              </a:solidFill>
+              <a:highlight>
+                <a:srgbClr val="FFFFFF"/>
+              </a:highlight>
+              <a:latin typeface="Consolas"/>
+            </a:endParaRPr>
+          </a:p>
+          <a:p>
+            <a:pPr marL="109728" indent="0">
+              <a:buNone/>
+            </a:pPr>
+            <a:r>
+              <a:rPr lang="nl-NL" sz="2800" dirty="0" err="1" smtClean="0">
+                <a:solidFill>
+                  <a:srgbClr val="0000FF"/>
+                </a:solidFill>
+                <a:highlight>
+                  <a:srgbClr val="FFFFFF"/>
+                </a:highlight>
+                <a:latin typeface="Consolas"/>
+              </a:rPr>
+              <a:t>function</a:t>
+            </a:r>
+            <a:r>
+              <a:rPr lang="nl-NL" sz="2800" dirty="0" smtClean="0">
+                <a:solidFill>
+                  <a:srgbClr val="000000"/>
                 </a:solidFill>
                 <a:highlight>
                   <a:srgbClr val="FFFFFF"/>
@@ -10103,64 +9874,16 @@
               <a:t> </a:t>
             </a:r>
             <a:r>
-              <a:rPr lang="nl-NL" sz="2800" dirty="0" err="1">
-                <a:solidFill>
-                  <a:srgbClr val="A31515"/>
-                </a:solidFill>
-                <a:highlight>
-                  <a:srgbClr val="FFFFFF"/>
-                </a:highlight>
-                <a:latin typeface="Consolas"/>
-              </a:rPr>
-              <a:t>dialog</a:t>
-            </a:r>
-            <a:r>
-              <a:rPr lang="nl-NL" sz="2800" dirty="0">
-                <a:solidFill>
-                  <a:srgbClr val="A31515"/>
-                </a:solidFill>
-                <a:highlight>
-                  <a:srgbClr val="FFFFFF"/>
-                </a:highlight>
-                <a:latin typeface="Consolas"/>
-              </a:rPr>
-              <a:t> </a:t>
-            </a:r>
-            <a:r>
-              <a:rPr lang="nl-NL" sz="2800" dirty="0" err="1">
-                <a:solidFill>
-                  <a:srgbClr val="A31515"/>
-                </a:solidFill>
-                <a:highlight>
-                  <a:srgbClr val="FFFFFF"/>
-                </a:highlight>
-                <a:latin typeface="Consolas"/>
-              </a:rPr>
-              <a:t>text</a:t>
-            </a:r>
-            <a:r>
-              <a:rPr lang="nl-NL" sz="2800" dirty="0">
-                <a:solidFill>
-                  <a:srgbClr val="A31515"/>
-                </a:solidFill>
-                <a:highlight>
-                  <a:srgbClr val="FFFFFF"/>
-                </a:highlight>
-                <a:latin typeface="Consolas"/>
-              </a:rPr>
-              <a:t>'</a:t>
-            </a:r>
-            <a:r>
-              <a:rPr lang="nl-NL" sz="2800" dirty="0">
-                <a:solidFill>
-                  <a:srgbClr val="000000"/>
-                </a:solidFill>
-                <a:highlight>
-                  <a:srgbClr val="FFFFFF"/>
-                </a:highlight>
-                <a:latin typeface="Consolas"/>
-              </a:rPr>
-              <a:t>)</a:t>
+              <a:rPr lang="nl-NL" sz="2800" dirty="0">
+                <a:solidFill>
+                  <a:srgbClr val="000000"/>
+                </a:solidFill>
+                <a:highlight>
+                  <a:srgbClr val="FFFFFF"/>
+                </a:highlight>
+                <a:latin typeface="Consolas"/>
+              </a:rPr>
+              <a:t>scope() {</a:t>
             </a:r>
           </a:p>
           <a:p>
@@ -10177,55 +9900,7 @@
                 </a:highlight>
                 <a:latin typeface="Consolas"/>
               </a:rPr>
-              <a:t>console.log(</a:t>
-            </a:r>
-            <a:r>
-              <a:rPr lang="nl-NL" sz="2800" dirty="0">
-                <a:solidFill>
-                  <a:srgbClr val="A31515"/>
-                </a:solidFill>
-                <a:highlight>
-                  <a:srgbClr val="FFFFFF"/>
-                </a:highlight>
-                <a:latin typeface="Consolas"/>
-              </a:rPr>
-              <a:t>'</a:t>
-            </a:r>
-            <a:r>
-              <a:rPr lang="nl-NL" sz="2800" dirty="0" err="1">
-                <a:solidFill>
-                  <a:srgbClr val="A31515"/>
-                </a:solidFill>
-                <a:highlight>
-                  <a:srgbClr val="FFFFFF"/>
-                </a:highlight>
-                <a:latin typeface="Consolas"/>
-              </a:rPr>
-              <a:t>text</a:t>
-            </a:r>
-            <a:r>
-              <a:rPr lang="nl-NL" sz="2800" dirty="0">
-                <a:solidFill>
-                  <a:srgbClr val="A31515"/>
-                </a:solidFill>
-                <a:highlight>
-                  <a:srgbClr val="FFFFFF"/>
-                </a:highlight>
-                <a:latin typeface="Consolas"/>
-              </a:rPr>
-              <a:t>'</a:t>
-            </a:r>
-            <a:r>
-              <a:rPr lang="nl-NL" sz="2800" dirty="0">
-                <a:solidFill>
-                  <a:srgbClr val="000000"/>
-                </a:solidFill>
-                <a:highlight>
-                  <a:srgbClr val="FFFFFF"/>
-                </a:highlight>
-                <a:latin typeface="Consolas"/>
-              </a:rPr>
-              <a:t>); </a:t>
+              <a:t>    </a:t>
             </a:r>
             <a:r>
               <a:rPr lang="nl-NL" sz="2800" dirty="0">
@@ -10237,7 +9912,7 @@
                 </a:highlight>
                 <a:latin typeface="Consolas"/>
               </a:rPr>
-              <a:t>// logt naar browser console</a:t>
+              <a:t>// geen nieuwe scopes</a:t>
             </a:r>
             <a:endParaRPr lang="nl-NL" sz="2800" dirty="0">
               <a:solidFill>
@@ -10263,81 +9938,260 @@
                 </a:highlight>
                 <a:latin typeface="Consolas"/>
               </a:rPr>
-              <a:t>console.log(1, </a:t>
-            </a:r>
-            <a:r>
-              <a:rPr lang="nl-NL" sz="2800" dirty="0">
-                <a:solidFill>
-                  <a:srgbClr val="A31515"/>
-                </a:solidFill>
-                <a:highlight>
-                  <a:srgbClr val="FFFFFF"/>
-                </a:highlight>
-                <a:latin typeface="Consolas"/>
-              </a:rPr>
-              <a:t>'</a:t>
+              <a:t>    </a:t>
             </a:r>
             <a:r>
               <a:rPr lang="nl-NL" sz="2800" dirty="0" err="1">
                 <a:solidFill>
-                  <a:srgbClr val="A31515"/>
-                </a:solidFill>
-                <a:highlight>
-                  <a:srgbClr val="FFFFFF"/>
-                </a:highlight>
-                <a:latin typeface="Consolas"/>
-              </a:rPr>
-              <a:t>two</a:t>
-            </a:r>
-            <a:r>
-              <a:rPr lang="nl-NL" sz="2800" dirty="0">
-                <a:solidFill>
-                  <a:srgbClr val="A31515"/>
-                </a:solidFill>
-                <a:highlight>
-                  <a:srgbClr val="FFFFFF"/>
-                </a:highlight>
-                <a:latin typeface="Consolas"/>
-              </a:rPr>
-              <a:t>'</a:t>
-            </a:r>
-            <a:r>
-              <a:rPr lang="nl-NL" sz="2800" dirty="0">
-                <a:solidFill>
-                  <a:srgbClr val="000000"/>
-                </a:solidFill>
-                <a:highlight>
-                  <a:srgbClr val="FFFFFF"/>
-                </a:highlight>
-                <a:latin typeface="Consolas"/>
-              </a:rPr>
-              <a:t>, { </a:t>
+                  <a:srgbClr val="0000FF"/>
+                </a:solidFill>
+                <a:highlight>
+                  <a:srgbClr val="FFFFFF"/>
+                </a:highlight>
+                <a:latin typeface="Consolas"/>
+              </a:rPr>
+              <a:t>if</a:t>
+            </a:r>
+            <a:r>
+              <a:rPr lang="nl-NL" sz="2800" dirty="0">
+                <a:solidFill>
+                  <a:srgbClr val="000000"/>
+                </a:solidFill>
+                <a:highlight>
+                  <a:srgbClr val="FFFFFF"/>
+                </a:highlight>
+                <a:latin typeface="Consolas"/>
+              </a:rPr>
+              <a:t> (</a:t>
             </a:r>
             <a:r>
               <a:rPr lang="nl-NL" sz="2800" dirty="0" err="1">
                 <a:solidFill>
-                  <a:srgbClr val="000000"/>
-                </a:solidFill>
-                <a:highlight>
-                  <a:srgbClr val="FFFFFF"/>
-                </a:highlight>
-                <a:latin typeface="Consolas"/>
-              </a:rPr>
-              <a:t>three</a:t>
-            </a:r>
-            <a:r>
-              <a:rPr lang="nl-NL" sz="2800" dirty="0">
-                <a:solidFill>
-                  <a:srgbClr val="000000"/>
-                </a:solidFill>
-                <a:highlight>
-                  <a:srgbClr val="FFFFFF"/>
-                </a:highlight>
-                <a:latin typeface="Consolas"/>
-              </a:rPr>
-              <a:t>: 3 });</a:t>
-            </a:r>
-            <a:endParaRPr lang="nl-NL" dirty="0"/>
+                  <a:srgbClr val="0000FF"/>
+                </a:solidFill>
+                <a:highlight>
+                  <a:srgbClr val="FFFFFF"/>
+                </a:highlight>
+                <a:latin typeface="Consolas"/>
+              </a:rPr>
+              <a:t>true</a:t>
+            </a:r>
+            <a:r>
+              <a:rPr lang="nl-NL" sz="2800" dirty="0">
+                <a:solidFill>
+                  <a:srgbClr val="000000"/>
+                </a:solidFill>
+                <a:highlight>
+                  <a:srgbClr val="FFFFFF"/>
+                </a:highlight>
+                <a:latin typeface="Consolas"/>
+              </a:rPr>
+              <a:t>) {</a:t>
+            </a:r>
+          </a:p>
+          <a:p>
+            <a:pPr marL="109728" indent="0">
+              <a:buNone/>
+            </a:pPr>
+            <a:r>
+              <a:rPr lang="nl-NL" sz="2800" dirty="0">
+                <a:solidFill>
+                  <a:srgbClr val="000000"/>
+                </a:solidFill>
+                <a:highlight>
+                  <a:srgbClr val="FFFFFF"/>
+                </a:highlight>
+                <a:latin typeface="Consolas"/>
+              </a:rPr>
+              <a:t>        </a:t>
+            </a:r>
+            <a:r>
+              <a:rPr lang="nl-NL" sz="2800" dirty="0">
+                <a:solidFill>
+                  <a:srgbClr val="0000FF"/>
+                </a:solidFill>
+                <a:highlight>
+                  <a:srgbClr val="FFFFFF"/>
+                </a:highlight>
+                <a:latin typeface="Consolas"/>
+              </a:rPr>
+              <a:t>var</a:t>
+            </a:r>
+            <a:r>
+              <a:rPr lang="nl-NL" sz="2800" dirty="0">
+                <a:solidFill>
+                  <a:srgbClr val="000000"/>
+                </a:solidFill>
+                <a:highlight>
+                  <a:srgbClr val="FFFFFF"/>
+                </a:highlight>
+                <a:latin typeface="Consolas"/>
+              </a:rPr>
+              <a:t> x = 1;</a:t>
+            </a:r>
+          </a:p>
+          <a:p>
+            <a:pPr marL="109728" indent="0">
+              <a:buNone/>
+            </a:pPr>
+            <a:r>
+              <a:rPr lang="nl-NL" sz="2800" dirty="0">
+                <a:solidFill>
+                  <a:srgbClr val="000000"/>
+                </a:solidFill>
+                <a:highlight>
+                  <a:srgbClr val="FFFFFF"/>
+                </a:highlight>
+                <a:latin typeface="Consolas"/>
+              </a:rPr>
+              <a:t>    } </a:t>
+            </a:r>
+            <a:r>
+              <a:rPr lang="nl-NL" sz="2800" dirty="0" err="1">
+                <a:solidFill>
+                  <a:srgbClr val="0000FF"/>
+                </a:solidFill>
+                <a:highlight>
+                  <a:srgbClr val="FFFFFF"/>
+                </a:highlight>
+                <a:latin typeface="Consolas"/>
+              </a:rPr>
+              <a:t>else</a:t>
+            </a:r>
+            <a:r>
+              <a:rPr lang="nl-NL" sz="2800" dirty="0">
+                <a:solidFill>
+                  <a:srgbClr val="000000"/>
+                </a:solidFill>
+                <a:highlight>
+                  <a:srgbClr val="FFFFFF"/>
+                </a:highlight>
+                <a:latin typeface="Consolas"/>
+              </a:rPr>
+              <a:t> {</a:t>
+            </a:r>
+          </a:p>
+          <a:p>
+            <a:pPr marL="109728" indent="0">
+              <a:buNone/>
+            </a:pPr>
+            <a:r>
+              <a:rPr lang="nl-NL" sz="2800" dirty="0">
+                <a:solidFill>
+                  <a:srgbClr val="000000"/>
+                </a:solidFill>
+                <a:highlight>
+                  <a:srgbClr val="FFFFFF"/>
+                </a:highlight>
+                <a:latin typeface="Consolas"/>
+              </a:rPr>
+              <a:t>        </a:t>
+            </a:r>
+            <a:r>
+              <a:rPr lang="nl-NL" sz="2800" dirty="0">
+                <a:solidFill>
+                  <a:srgbClr val="0000FF"/>
+                </a:solidFill>
+                <a:highlight>
+                  <a:srgbClr val="FFFFFF"/>
+                </a:highlight>
+                <a:latin typeface="Consolas"/>
+              </a:rPr>
+              <a:t>var</a:t>
+            </a:r>
+            <a:r>
+              <a:rPr lang="nl-NL" sz="2800" dirty="0">
+                <a:solidFill>
+                  <a:srgbClr val="000000"/>
+                </a:solidFill>
+                <a:highlight>
+                  <a:srgbClr val="FFFFFF"/>
+                </a:highlight>
+                <a:latin typeface="Consolas"/>
+              </a:rPr>
+              <a:t> x = 0;</a:t>
+            </a:r>
+          </a:p>
+          <a:p>
+            <a:pPr marL="109728" indent="0">
+              <a:buNone/>
+            </a:pPr>
+            <a:r>
+              <a:rPr lang="nl-NL" sz="2800" dirty="0">
+                <a:solidFill>
+                  <a:srgbClr val="000000"/>
+                </a:solidFill>
+                <a:highlight>
+                  <a:srgbClr val="FFFFFF"/>
+                </a:highlight>
+                <a:latin typeface="Consolas"/>
+              </a:rPr>
+              <a:t>    }</a:t>
+            </a:r>
+          </a:p>
+          <a:p>
+            <a:pPr marL="109728" indent="0">
+              <a:buNone/>
+            </a:pPr>
+            <a:r>
+              <a:rPr lang="nl-NL" sz="2800" dirty="0">
+                <a:solidFill>
+                  <a:srgbClr val="000000"/>
+                </a:solidFill>
+                <a:highlight>
+                  <a:srgbClr val="FFFFFF"/>
+                </a:highlight>
+                <a:latin typeface="Consolas"/>
+              </a:rPr>
+              <a:t>    x; </a:t>
+            </a:r>
+            <a:r>
+              <a:rPr lang="nl-NL" sz="2800" dirty="0">
+                <a:solidFill>
+                  <a:srgbClr val="008000"/>
+                </a:solidFill>
+                <a:highlight>
+                  <a:srgbClr val="FFFFFF"/>
+                </a:highlight>
+                <a:latin typeface="Consolas"/>
+              </a:rPr>
+              <a:t>// x bestaat hier nog</a:t>
+            </a:r>
+            <a:endParaRPr lang="nl-NL" sz="2800" dirty="0">
+              <a:solidFill>
+                <a:srgbClr val="000000"/>
+              </a:solidFill>
+              <a:highlight>
+                <a:srgbClr val="FFFFFF"/>
+              </a:highlight>
+              <a:latin typeface="Consolas"/>
+            </a:endParaRPr>
+          </a:p>
+          <a:p>
+            <a:pPr marL="109728" indent="0">
+              <a:buNone/>
+            </a:pPr>
+            <a:r>
+              <a:rPr lang="nl-NL" sz="2800" dirty="0">
+                <a:solidFill>
+                  <a:srgbClr val="000000"/>
+                </a:solidFill>
+                <a:highlight>
+                  <a:srgbClr val="FFFFFF"/>
+                </a:highlight>
+                <a:latin typeface="Consolas"/>
+              </a:rPr>
+              <a:t>}</a:t>
+            </a:r>
+            <a:endParaRPr lang="nl-NL" sz="2800" dirty="0" smtClean="0">
+              <a:solidFill>
+                <a:srgbClr val="0000FF"/>
+              </a:solidFill>
+              <a:highlight>
+                <a:srgbClr val="FFFFFF"/>
+              </a:highlight>
+              <a:latin typeface="Consolas"/>
+            </a:endParaRPr>
           </a:p>
         </p:txBody>
       </p:sp>
@@ -10358,7 +10212,7 @@
           <a:p>
             <a:r>
               <a:rPr lang="en-US" dirty="0" smtClean="0"/>
-              <a:t>Output</a:t>
+              <a:t>Scope</a:t>
             </a:r>
             <a:endParaRPr lang="nl-NL" dirty="0"/>
           </a:p>
@@ -10367,7 +10221,7 @@
     </p:spTree>
     <p:extLst>
       <p:ext uri="{BB962C8B-B14F-4D97-AF65-F5344CB8AC3E}">
-        <p14:creationId xmlns:p14="http://schemas.microsoft.com/office/powerpoint/2010/main" val="2623131"/>
+        <p14:creationId xmlns:p14="http://schemas.microsoft.com/office/powerpoint/2010/main" val="79557260"/>
       </p:ext>
     </p:extLst>
   </p:cSld>
@@ -10413,145 +10267,205 @@
         </p:nvSpPr>
         <p:spPr/>
         <p:txBody>
-          <a:bodyPr>
-            <a:normAutofit lnSpcReduction="10000"/>
-          </a:bodyPr>
+          <a:bodyPr/>
           <a:lstStyle/>
           <a:p>
             <a:r>
               <a:rPr lang="nl-NL" dirty="0" smtClean="0"/>
-              <a:t>In </a:t>
-            </a:r>
-            <a:r>
-              <a:rPr lang="nl-NL" sz="2800" dirty="0">
-                <a:solidFill>
-                  <a:srgbClr val="0000FF"/>
-                </a:solidFill>
-                <a:highlight>
-                  <a:srgbClr val="FFFFFF"/>
-                </a:highlight>
-                <a:latin typeface="Consolas"/>
-              </a:rPr>
-              <a:t>&lt;</a:t>
-            </a:r>
-            <a:r>
-              <a:rPr lang="nl-NL" sz="2800" dirty="0" err="1" smtClean="0">
-                <a:solidFill>
-                  <a:srgbClr val="800000"/>
-                </a:solidFill>
-                <a:highlight>
-                  <a:srgbClr val="FFFFFF"/>
-                </a:highlight>
-                <a:latin typeface="Consolas"/>
-              </a:rPr>
-              <a:t>head</a:t>
-            </a:r>
-            <a:r>
-              <a:rPr lang="nl-NL" sz="2800" dirty="0" smtClean="0">
-                <a:solidFill>
-                  <a:srgbClr val="0000FF"/>
-                </a:solidFill>
-                <a:highlight>
-                  <a:srgbClr val="FFFFFF"/>
-                </a:highlight>
-                <a:latin typeface="Consolas"/>
-              </a:rPr>
-              <a:t>&gt; </a:t>
-            </a:r>
-            <a:r>
-              <a:rPr lang="nl-NL" dirty="0" smtClean="0"/>
-              <a:t>of </a:t>
-            </a:r>
-            <a:r>
-              <a:rPr lang="nl-NL" sz="2800" dirty="0">
-                <a:solidFill>
-                  <a:srgbClr val="0000FF"/>
-                </a:solidFill>
-                <a:highlight>
-                  <a:srgbClr val="FFFFFF"/>
-                </a:highlight>
-                <a:latin typeface="Consolas"/>
-              </a:rPr>
-              <a:t>&lt;</a:t>
-            </a:r>
-            <a:r>
-              <a:rPr lang="nl-NL" sz="2800" dirty="0">
-                <a:solidFill>
-                  <a:srgbClr val="800000"/>
-                </a:solidFill>
-                <a:highlight>
-                  <a:srgbClr val="FFFFFF"/>
-                </a:highlight>
-                <a:latin typeface="Consolas"/>
-              </a:rPr>
-              <a:t>body</a:t>
-            </a:r>
-            <a:r>
-              <a:rPr lang="nl-NL" sz="2800" dirty="0" smtClean="0">
-                <a:solidFill>
-                  <a:srgbClr val="0000FF"/>
-                </a:solidFill>
-                <a:highlight>
-                  <a:srgbClr val="FFFFFF"/>
-                </a:highlight>
-                <a:latin typeface="Consolas"/>
-              </a:rPr>
-              <a:t>&gt; </a:t>
-            </a:r>
-            <a:r>
-              <a:rPr lang="nl-NL" dirty="0" smtClean="0"/>
-              <a:t>element</a:t>
-            </a:r>
-          </a:p>
-          <a:p>
-            <a:r>
-              <a:rPr lang="nl-NL" dirty="0" err="1" smtClean="0"/>
-              <a:t>Inline</a:t>
-            </a:r>
-            <a:r>
-              <a:rPr lang="nl-NL" dirty="0" smtClean="0"/>
-              <a:t> of extern bestand</a:t>
-            </a:r>
+              <a:t>Handig voor bij het debuggen</a:t>
+            </a:r>
+          </a:p>
+          <a:p>
+            <a:endParaRPr lang="nl-NL" dirty="0" smtClean="0"/>
           </a:p>
           <a:p>
             <a:pPr marL="109728" indent="0">
               <a:buNone/>
             </a:pPr>
             <a:r>
-              <a:rPr lang="nl-NL" sz="2800" dirty="0" smtClean="0">
-                <a:solidFill>
-                  <a:srgbClr val="0000FF"/>
-                </a:solidFill>
-                <a:highlight>
-                  <a:srgbClr val="FFFFFF"/>
-                </a:highlight>
-                <a:latin typeface="Consolas"/>
-              </a:rPr>
-              <a:t>&lt;</a:t>
-            </a:r>
-            <a:r>
-              <a:rPr lang="nl-NL" sz="2800" dirty="0" smtClean="0">
-                <a:solidFill>
-                  <a:srgbClr val="800000"/>
-                </a:solidFill>
-                <a:highlight>
-                  <a:srgbClr val="FFFFFF"/>
-                </a:highlight>
-                <a:latin typeface="Consolas"/>
-              </a:rPr>
-              <a:t>body</a:t>
-            </a:r>
-            <a:r>
-              <a:rPr lang="nl-NL" sz="2800" dirty="0" smtClean="0">
-                <a:solidFill>
-                  <a:srgbClr val="0000FF"/>
-                </a:solidFill>
-                <a:highlight>
-                  <a:srgbClr val="FFFFFF"/>
-                </a:highlight>
-                <a:latin typeface="Consolas"/>
-              </a:rPr>
-              <a:t>&gt;</a:t>
+              <a:rPr lang="nl-NL" sz="2800" dirty="0">
+                <a:solidFill>
+                  <a:srgbClr val="000000"/>
+                </a:solidFill>
+                <a:highlight>
+                  <a:srgbClr val="FFFFFF"/>
+                </a:highlight>
+                <a:latin typeface="Consolas"/>
+              </a:rPr>
+              <a:t>alert(</a:t>
+            </a:r>
+            <a:r>
+              <a:rPr lang="nl-NL" sz="2800" dirty="0">
+                <a:solidFill>
+                  <a:srgbClr val="A31515"/>
+                </a:solidFill>
+                <a:highlight>
+                  <a:srgbClr val="FFFFFF"/>
+                </a:highlight>
+                <a:latin typeface="Consolas"/>
+              </a:rPr>
+              <a:t>'</a:t>
+            </a:r>
+            <a:r>
+              <a:rPr lang="nl-NL" sz="2800" dirty="0" err="1">
+                <a:solidFill>
+                  <a:srgbClr val="A31515"/>
+                </a:solidFill>
+                <a:highlight>
+                  <a:srgbClr val="FFFFFF"/>
+                </a:highlight>
+                <a:latin typeface="Consolas"/>
+              </a:rPr>
+              <a:t>popup</a:t>
+            </a:r>
+            <a:r>
+              <a:rPr lang="nl-NL" sz="2800" dirty="0">
+                <a:solidFill>
+                  <a:srgbClr val="A31515"/>
+                </a:solidFill>
+                <a:highlight>
+                  <a:srgbClr val="FFFFFF"/>
+                </a:highlight>
+                <a:latin typeface="Consolas"/>
+              </a:rPr>
+              <a:t> </a:t>
+            </a:r>
+            <a:r>
+              <a:rPr lang="nl-NL" sz="2800" dirty="0" err="1">
+                <a:solidFill>
+                  <a:srgbClr val="A31515"/>
+                </a:solidFill>
+                <a:highlight>
+                  <a:srgbClr val="FFFFFF"/>
+                </a:highlight>
+                <a:latin typeface="Consolas"/>
+              </a:rPr>
+              <a:t>dialog</a:t>
+            </a:r>
+            <a:r>
+              <a:rPr lang="nl-NL" sz="2800" dirty="0">
+                <a:solidFill>
+                  <a:srgbClr val="A31515"/>
+                </a:solidFill>
+                <a:highlight>
+                  <a:srgbClr val="FFFFFF"/>
+                </a:highlight>
+                <a:latin typeface="Consolas"/>
+              </a:rPr>
+              <a:t> </a:t>
+            </a:r>
+            <a:r>
+              <a:rPr lang="nl-NL" sz="2800" dirty="0" err="1">
+                <a:solidFill>
+                  <a:srgbClr val="A31515"/>
+                </a:solidFill>
+                <a:highlight>
+                  <a:srgbClr val="FFFFFF"/>
+                </a:highlight>
+                <a:latin typeface="Consolas"/>
+              </a:rPr>
+              <a:t>text</a:t>
+            </a:r>
+            <a:r>
+              <a:rPr lang="nl-NL" sz="2800" dirty="0">
+                <a:solidFill>
+                  <a:srgbClr val="A31515"/>
+                </a:solidFill>
+                <a:highlight>
+                  <a:srgbClr val="FFFFFF"/>
+                </a:highlight>
+                <a:latin typeface="Consolas"/>
+              </a:rPr>
+              <a:t>'</a:t>
+            </a:r>
+            <a:r>
+              <a:rPr lang="nl-NL" sz="2800" dirty="0">
+                <a:solidFill>
+                  <a:srgbClr val="000000"/>
+                </a:solidFill>
+                <a:highlight>
+                  <a:srgbClr val="FFFFFF"/>
+                </a:highlight>
+                <a:latin typeface="Consolas"/>
+              </a:rPr>
+              <a:t>)</a:t>
+            </a:r>
+          </a:p>
+          <a:p>
+            <a:pPr marL="109728" indent="0">
+              <a:buNone/>
+            </a:pPr>
+            <a:r>
+              <a:rPr lang="nl-NL" sz="2800" dirty="0">
+                <a:solidFill>
+                  <a:srgbClr val="000000"/>
+                </a:solidFill>
+                <a:highlight>
+                  <a:srgbClr val="FFFFFF"/>
+                </a:highlight>
+                <a:latin typeface="Consolas"/>
+              </a:rPr>
+              <a:t>console.log(</a:t>
+            </a:r>
+            <a:r>
+              <a:rPr lang="nl-NL" sz="2800" dirty="0">
+                <a:solidFill>
+                  <a:srgbClr val="A31515"/>
+                </a:solidFill>
+                <a:highlight>
+                  <a:srgbClr val="FFFFFF"/>
+                </a:highlight>
+                <a:latin typeface="Consolas"/>
+              </a:rPr>
+              <a:t>'</a:t>
+            </a:r>
+            <a:r>
+              <a:rPr lang="nl-NL" sz="2800" dirty="0" err="1">
+                <a:solidFill>
+                  <a:srgbClr val="A31515"/>
+                </a:solidFill>
+                <a:highlight>
+                  <a:srgbClr val="FFFFFF"/>
+                </a:highlight>
+                <a:latin typeface="Consolas"/>
+              </a:rPr>
+              <a:t>text</a:t>
+            </a:r>
+            <a:r>
+              <a:rPr lang="nl-NL" sz="2800" dirty="0">
+                <a:solidFill>
+                  <a:srgbClr val="A31515"/>
+                </a:solidFill>
+                <a:highlight>
+                  <a:srgbClr val="FFFFFF"/>
+                </a:highlight>
+                <a:latin typeface="Consolas"/>
+              </a:rPr>
+              <a:t>'</a:t>
+            </a:r>
+            <a:r>
+              <a:rPr lang="nl-NL" sz="2800" dirty="0">
+                <a:solidFill>
+                  <a:srgbClr val="000000"/>
+                </a:solidFill>
+                <a:highlight>
+                  <a:srgbClr val="FFFFFF"/>
+                </a:highlight>
+                <a:latin typeface="Consolas"/>
+              </a:rPr>
+              <a:t>); </a:t>
+            </a:r>
+            <a:r>
+              <a:rPr lang="nl-NL" sz="2800" dirty="0">
+                <a:solidFill>
+                  <a:srgbClr val="008000"/>
+                </a:solidFill>
+                <a:highlight>
+                  <a:srgbClr val="FFFFFF"/>
+                </a:highlight>
+                <a:latin typeface="Consolas"/>
+              </a:rPr>
+              <a:t>// logt naar browser console</a:t>
             </a:r>
             <a:endParaRPr lang="nl-NL" sz="2800" dirty="0">
               <a:solidFill>
@@ -10577,397 +10491,79 @@
                 </a:highlight>
                 <a:latin typeface="Consolas"/>
               </a:rPr>
-              <a:t>    </a:t>
-            </a:r>
-            <a:r>
-              <a:rPr lang="nl-NL" sz="2800" dirty="0">
-                <a:solidFill>
-                  <a:srgbClr val="0000FF"/>
-                </a:solidFill>
-                <a:highlight>
-                  <a:srgbClr val="FFFFFF"/>
-                </a:highlight>
-                <a:latin typeface="Consolas"/>
-              </a:rPr>
-              <a:t>&lt;</a:t>
-            </a:r>
-            <a:r>
-              <a:rPr lang="nl-NL" sz="2800" dirty="0">
-                <a:solidFill>
-                  <a:srgbClr val="800000"/>
-                </a:solidFill>
-                <a:highlight>
-                  <a:srgbClr val="FFFFFF"/>
-                </a:highlight>
-                <a:latin typeface="Consolas"/>
-              </a:rPr>
-              <a:t>script</a:t>
-            </a:r>
-            <a:r>
-              <a:rPr lang="nl-NL" sz="2800" dirty="0" smtClean="0">
-                <a:solidFill>
-                  <a:srgbClr val="0000FF"/>
-                </a:solidFill>
-                <a:highlight>
-                  <a:srgbClr val="FFFFFF"/>
-                </a:highlight>
-                <a:latin typeface="Consolas"/>
-              </a:rPr>
-              <a:t>&gt;</a:t>
-            </a:r>
-          </a:p>
-          <a:p>
-            <a:pPr marL="109728" indent="0">
-              <a:buNone/>
-            </a:pPr>
-            <a:r>
-              <a:rPr lang="nl-NL" sz="2800" dirty="0">
-                <a:solidFill>
-                  <a:srgbClr val="0000FF"/>
-                </a:solidFill>
-                <a:highlight>
-                  <a:srgbClr val="FFFFFF"/>
-                </a:highlight>
-                <a:latin typeface="Consolas"/>
-              </a:rPr>
-              <a:t>	</a:t>
-            </a:r>
-            <a:r>
-              <a:rPr lang="nl-NL" sz="2800" dirty="0" smtClean="0">
-                <a:solidFill>
-                  <a:srgbClr val="0000FF"/>
-                </a:solidFill>
-                <a:highlight>
-                  <a:srgbClr val="FFFFFF"/>
-                </a:highlight>
-                <a:latin typeface="Consolas"/>
-              </a:rPr>
-              <a:t>	</a:t>
-            </a:r>
-            <a:r>
-              <a:rPr lang="nl-NL" sz="2800" dirty="0" smtClean="0">
-                <a:solidFill>
-                  <a:srgbClr val="008000"/>
-                </a:solidFill>
-                <a:highlight>
-                  <a:srgbClr val="FFFFFF"/>
-                </a:highlight>
-                <a:latin typeface="Consolas"/>
-              </a:rPr>
-              <a:t>// Code </a:t>
-            </a:r>
-          </a:p>
-          <a:p>
-            <a:pPr marL="109728" indent="0">
-              <a:buNone/>
-            </a:pPr>
-            <a:r>
-              <a:rPr lang="nl-NL" sz="2800" dirty="0">
-                <a:solidFill>
-                  <a:srgbClr val="008000"/>
-                </a:solidFill>
-                <a:highlight>
-                  <a:srgbClr val="FFFFFF"/>
-                </a:highlight>
-                <a:latin typeface="Consolas"/>
-              </a:rPr>
-              <a:t>	</a:t>
-            </a:r>
-            <a:r>
-              <a:rPr lang="nl-NL" sz="2800" dirty="0" smtClean="0">
-                <a:solidFill>
-                  <a:srgbClr val="0000FF"/>
-                </a:solidFill>
-                <a:highlight>
-                  <a:srgbClr val="FFFFFF"/>
-                </a:highlight>
-                <a:latin typeface="Consolas"/>
-              </a:rPr>
-              <a:t>&lt;/</a:t>
-            </a:r>
-            <a:r>
-              <a:rPr lang="nl-NL" sz="2800" dirty="0">
-                <a:solidFill>
-                  <a:srgbClr val="800000"/>
-                </a:solidFill>
-                <a:highlight>
-                  <a:srgbClr val="FFFFFF"/>
-                </a:highlight>
-                <a:latin typeface="Consolas"/>
-              </a:rPr>
-              <a:t>script</a:t>
-            </a:r>
-            <a:r>
-              <a:rPr lang="nl-NL" sz="2800" dirty="0">
-                <a:solidFill>
-                  <a:srgbClr val="0000FF"/>
-                </a:solidFill>
-                <a:highlight>
-                  <a:srgbClr val="FFFFFF"/>
-                </a:highlight>
-                <a:latin typeface="Consolas"/>
-              </a:rPr>
-              <a:t>&gt;</a:t>
-            </a:r>
-            <a:endParaRPr lang="nl-NL" sz="2800" dirty="0">
-              <a:solidFill>
-                <a:srgbClr val="000000"/>
-              </a:solidFill>
-              <a:highlight>
-                <a:srgbClr val="FFFFFF"/>
-              </a:highlight>
-              <a:latin typeface="Consolas"/>
-            </a:endParaRPr>
-          </a:p>
-          <a:p>
-            <a:pPr marL="109728" indent="0">
-              <a:buNone/>
-            </a:pPr>
-            <a:r>
-              <a:rPr lang="nl-NL" sz="2800" dirty="0" smtClean="0">
-                <a:solidFill>
-                  <a:srgbClr val="0000FF"/>
-                </a:solidFill>
-                <a:highlight>
-                  <a:srgbClr val="FFFFFF"/>
-                </a:highlight>
-                <a:latin typeface="Consolas"/>
-              </a:rPr>
-              <a:t>&lt;/</a:t>
-            </a:r>
-            <a:r>
-              <a:rPr lang="nl-NL" sz="2800" dirty="0" smtClean="0">
-                <a:solidFill>
-                  <a:srgbClr val="800000"/>
-                </a:solidFill>
-                <a:highlight>
-                  <a:srgbClr val="FFFFFF"/>
-                </a:highlight>
-                <a:latin typeface="Consolas"/>
-              </a:rPr>
-              <a:t>body</a:t>
-            </a:r>
-            <a:r>
-              <a:rPr lang="nl-NL" sz="2800" dirty="0" smtClean="0">
-                <a:solidFill>
-                  <a:srgbClr val="0000FF"/>
-                </a:solidFill>
-                <a:highlight>
-                  <a:srgbClr val="FFFFFF"/>
-                </a:highlight>
-                <a:latin typeface="Consolas"/>
-              </a:rPr>
-              <a:t>&gt;</a:t>
-            </a:r>
-            <a:endParaRPr lang="nl-NL" sz="2800" dirty="0">
-              <a:solidFill>
-                <a:srgbClr val="000000"/>
-              </a:solidFill>
-              <a:highlight>
-                <a:srgbClr val="FFFFFF"/>
-              </a:highlight>
-              <a:latin typeface="Consolas"/>
-            </a:endParaRPr>
-          </a:p>
-          <a:p>
-            <a:pPr marL="109728" indent="0">
-              <a:buNone/>
-            </a:pPr>
-            <a:r>
-              <a:rPr lang="nl-NL" sz="2800" dirty="0" smtClean="0">
-                <a:solidFill>
-                  <a:srgbClr val="0000FF"/>
-                </a:solidFill>
-                <a:highlight>
-                  <a:srgbClr val="FFFFFF"/>
-                </a:highlight>
-                <a:latin typeface="Consolas"/>
-              </a:rPr>
-              <a:t>&lt;</a:t>
-            </a:r>
-            <a:r>
-              <a:rPr lang="nl-NL" sz="2800" dirty="0" smtClean="0">
-                <a:solidFill>
-                  <a:srgbClr val="800000"/>
-                </a:solidFill>
-                <a:highlight>
-                  <a:srgbClr val="FFFFFF"/>
-                </a:highlight>
-                <a:latin typeface="Consolas"/>
-              </a:rPr>
-              <a:t>body</a:t>
-            </a:r>
-            <a:r>
-              <a:rPr lang="nl-NL" sz="2800" dirty="0" smtClean="0">
-                <a:solidFill>
-                  <a:srgbClr val="0000FF"/>
-                </a:solidFill>
-                <a:highlight>
-                  <a:srgbClr val="FFFFFF"/>
-                </a:highlight>
-                <a:latin typeface="Consolas"/>
-              </a:rPr>
-              <a:t>&gt;</a:t>
-            </a:r>
-            <a:endParaRPr lang="nl-NL" sz="2800" dirty="0">
-              <a:solidFill>
-                <a:srgbClr val="000000"/>
-              </a:solidFill>
-              <a:highlight>
-                <a:srgbClr val="FFFFFF"/>
-              </a:highlight>
-              <a:latin typeface="Consolas"/>
-            </a:endParaRPr>
-          </a:p>
-          <a:p>
-            <a:pPr marL="109728" indent="0">
-              <a:buNone/>
-            </a:pPr>
-            <a:r>
-              <a:rPr lang="nl-NL" sz="2800" dirty="0">
-                <a:solidFill>
-                  <a:srgbClr val="000000"/>
-                </a:solidFill>
-                <a:highlight>
-                  <a:srgbClr val="FFFFFF"/>
-                </a:highlight>
-                <a:latin typeface="Consolas"/>
-              </a:rPr>
-              <a:t>    </a:t>
-            </a:r>
-            <a:r>
-              <a:rPr lang="nl-NL" sz="2800" dirty="0">
-                <a:solidFill>
-                  <a:srgbClr val="0000FF"/>
-                </a:solidFill>
-                <a:highlight>
-                  <a:srgbClr val="FFFFFF"/>
-                </a:highlight>
-                <a:latin typeface="Consolas"/>
-              </a:rPr>
-              <a:t>&lt;</a:t>
-            </a:r>
-            <a:r>
-              <a:rPr lang="nl-NL" sz="2800" dirty="0">
-                <a:solidFill>
-                  <a:srgbClr val="800000"/>
-                </a:solidFill>
-                <a:highlight>
-                  <a:srgbClr val="FFFFFF"/>
-                </a:highlight>
-                <a:latin typeface="Consolas"/>
-              </a:rPr>
-              <a:t>script</a:t>
-            </a:r>
-            <a:r>
-              <a:rPr lang="nl-NL" sz="2800" dirty="0">
-                <a:solidFill>
-                  <a:srgbClr val="000000"/>
-                </a:solidFill>
-                <a:highlight>
-                  <a:srgbClr val="FFFFFF"/>
-                </a:highlight>
-                <a:latin typeface="Consolas"/>
-              </a:rPr>
-              <a:t> </a:t>
+              <a:t>console.log(1, </a:t>
+            </a:r>
+            <a:r>
+              <a:rPr lang="nl-NL" sz="2800" dirty="0">
+                <a:solidFill>
+                  <a:srgbClr val="A31515"/>
+                </a:solidFill>
+                <a:highlight>
+                  <a:srgbClr val="FFFFFF"/>
+                </a:highlight>
+                <a:latin typeface="Consolas"/>
+              </a:rPr>
+              <a:t>'</a:t>
             </a:r>
             <a:r>
               <a:rPr lang="nl-NL" sz="2800" dirty="0" err="1">
                 <a:solidFill>
-                  <a:srgbClr val="FF0000"/>
-                </a:solidFill>
-                <a:highlight>
-                  <a:srgbClr val="FFFFFF"/>
-                </a:highlight>
-                <a:latin typeface="Consolas"/>
-              </a:rPr>
-              <a:t>src</a:t>
-            </a:r>
-            <a:r>
-              <a:rPr lang="nl-NL" sz="2800" dirty="0">
-                <a:solidFill>
-                  <a:srgbClr val="0000FF"/>
-                </a:solidFill>
-                <a:highlight>
-                  <a:srgbClr val="FFFFFF"/>
-                </a:highlight>
-                <a:latin typeface="Consolas"/>
-              </a:rPr>
-              <a:t>="code.js"&gt;&lt;/</a:t>
-            </a:r>
-            <a:r>
-              <a:rPr lang="nl-NL" sz="2800" dirty="0">
-                <a:solidFill>
-                  <a:srgbClr val="800000"/>
-                </a:solidFill>
-                <a:highlight>
-                  <a:srgbClr val="FFFFFF"/>
-                </a:highlight>
-                <a:latin typeface="Consolas"/>
-              </a:rPr>
-              <a:t>script</a:t>
-            </a:r>
-            <a:r>
-              <a:rPr lang="nl-NL" sz="2800" dirty="0">
-                <a:solidFill>
-                  <a:srgbClr val="0000FF"/>
-                </a:solidFill>
-                <a:highlight>
-                  <a:srgbClr val="FFFFFF"/>
-                </a:highlight>
-                <a:latin typeface="Consolas"/>
-              </a:rPr>
-              <a:t>&gt;</a:t>
-            </a:r>
-            <a:endParaRPr lang="nl-NL" sz="2800" dirty="0">
-              <a:solidFill>
-                <a:srgbClr val="000000"/>
-              </a:solidFill>
-              <a:highlight>
-                <a:srgbClr val="FFFFFF"/>
-              </a:highlight>
-              <a:latin typeface="Consolas"/>
-            </a:endParaRPr>
-          </a:p>
-          <a:p>
-            <a:pPr marL="109728" indent="0">
-              <a:buNone/>
-            </a:pPr>
-            <a:r>
-              <a:rPr lang="nl-NL" sz="2800" dirty="0" smtClean="0">
-                <a:solidFill>
-                  <a:srgbClr val="0000FF"/>
-                </a:solidFill>
-                <a:highlight>
-                  <a:srgbClr val="FFFFFF"/>
-                </a:highlight>
-                <a:latin typeface="Consolas"/>
-              </a:rPr>
-              <a:t>&lt;/</a:t>
-            </a:r>
-            <a:r>
-              <a:rPr lang="nl-NL" sz="2800" dirty="0" smtClean="0">
-                <a:solidFill>
-                  <a:srgbClr val="800000"/>
-                </a:solidFill>
-                <a:highlight>
-                  <a:srgbClr val="FFFFFF"/>
-                </a:highlight>
-                <a:latin typeface="Consolas"/>
-              </a:rPr>
-              <a:t>body</a:t>
-            </a:r>
-            <a:r>
-              <a:rPr lang="nl-NL" sz="2800" dirty="0" smtClean="0">
-                <a:solidFill>
-                  <a:srgbClr val="0000FF"/>
-                </a:solidFill>
-                <a:highlight>
-                  <a:srgbClr val="FFFFFF"/>
-                </a:highlight>
-                <a:latin typeface="Consolas"/>
-              </a:rPr>
-              <a:t>&gt;</a:t>
+                  <a:srgbClr val="A31515"/>
+                </a:solidFill>
+                <a:highlight>
+                  <a:srgbClr val="FFFFFF"/>
+                </a:highlight>
+                <a:latin typeface="Consolas"/>
+              </a:rPr>
+              <a:t>two</a:t>
+            </a:r>
+            <a:r>
+              <a:rPr lang="nl-NL" sz="2800" dirty="0">
+                <a:solidFill>
+                  <a:srgbClr val="A31515"/>
+                </a:solidFill>
+                <a:highlight>
+                  <a:srgbClr val="FFFFFF"/>
+                </a:highlight>
+                <a:latin typeface="Consolas"/>
+              </a:rPr>
+              <a:t>'</a:t>
+            </a:r>
+            <a:r>
+              <a:rPr lang="nl-NL" sz="2800" dirty="0">
+                <a:solidFill>
+                  <a:srgbClr val="000000"/>
+                </a:solidFill>
+                <a:highlight>
+                  <a:srgbClr val="FFFFFF"/>
+                </a:highlight>
+                <a:latin typeface="Consolas"/>
+              </a:rPr>
+              <a:t>, { </a:t>
+            </a:r>
+            <a:r>
+              <a:rPr lang="nl-NL" sz="2800" dirty="0" err="1">
+                <a:solidFill>
+                  <a:srgbClr val="000000"/>
+                </a:solidFill>
+                <a:highlight>
+                  <a:srgbClr val="FFFFFF"/>
+                </a:highlight>
+                <a:latin typeface="Consolas"/>
+              </a:rPr>
+              <a:t>three</a:t>
+            </a:r>
+            <a:r>
+              <a:rPr lang="nl-NL" sz="2800" dirty="0">
+                <a:solidFill>
+                  <a:srgbClr val="000000"/>
+                </a:solidFill>
+                <a:highlight>
+                  <a:srgbClr val="FFFFFF"/>
+                </a:highlight>
+                <a:latin typeface="Consolas"/>
+              </a:rPr>
+              <a:t>: 3 });</a:t>
             </a:r>
             <a:endParaRPr lang="nl-NL" dirty="0"/>
           </a:p>
@@ -10989,8 +10585,8 @@
           <a:lstStyle/>
           <a:p>
             <a:r>
-              <a:rPr lang="nl-NL" dirty="0" smtClean="0"/>
-              <a:t>Beginpunt</a:t>
+              <a:rPr lang="en-US" dirty="0" smtClean="0"/>
+              <a:t>Output</a:t>
             </a:r>
             <a:endParaRPr lang="nl-NL" dirty="0"/>
           </a:p>
@@ -10999,7 +10595,7 @@
     </p:spTree>
     <p:extLst>
       <p:ext uri="{BB962C8B-B14F-4D97-AF65-F5344CB8AC3E}">
-        <p14:creationId xmlns:p14="http://schemas.microsoft.com/office/powerpoint/2010/main" val="488120550"/>
+        <p14:creationId xmlns:p14="http://schemas.microsoft.com/office/powerpoint/2010/main" val="2623131"/>
       </p:ext>
     </p:extLst>
   </p:cSld>
@@ -11046,10 +10642,106 @@
         <p:spPr/>
         <p:txBody>
           <a:bodyPr>
-            <a:normAutofit/>
+            <a:normAutofit lnSpcReduction="10000"/>
           </a:bodyPr>
           <a:lstStyle/>
           <a:p>
+            <a:r>
+              <a:rPr lang="nl-NL" dirty="0" smtClean="0"/>
+              <a:t>In </a:t>
+            </a:r>
+            <a:r>
+              <a:rPr lang="nl-NL" sz="2800" dirty="0">
+                <a:solidFill>
+                  <a:srgbClr val="0000FF"/>
+                </a:solidFill>
+                <a:highlight>
+                  <a:srgbClr val="FFFFFF"/>
+                </a:highlight>
+                <a:latin typeface="Consolas"/>
+              </a:rPr>
+              <a:t>&lt;</a:t>
+            </a:r>
+            <a:r>
+              <a:rPr lang="nl-NL" sz="2800" dirty="0" err="1" smtClean="0">
+                <a:solidFill>
+                  <a:srgbClr val="800000"/>
+                </a:solidFill>
+                <a:highlight>
+                  <a:srgbClr val="FFFFFF"/>
+                </a:highlight>
+                <a:latin typeface="Consolas"/>
+              </a:rPr>
+              <a:t>head</a:t>
+            </a:r>
+            <a:r>
+              <a:rPr lang="nl-NL" sz="2800" dirty="0" smtClean="0">
+                <a:solidFill>
+                  <a:srgbClr val="0000FF"/>
+                </a:solidFill>
+                <a:highlight>
+                  <a:srgbClr val="FFFFFF"/>
+                </a:highlight>
+                <a:latin typeface="Consolas"/>
+              </a:rPr>
+              <a:t>&gt; </a:t>
+            </a:r>
+            <a:r>
+              <a:rPr lang="nl-NL" dirty="0" smtClean="0"/>
+              <a:t>of </a:t>
+            </a:r>
+            <a:r>
+              <a:rPr lang="nl-NL" sz="2800" dirty="0">
+                <a:solidFill>
+                  <a:srgbClr val="0000FF"/>
+                </a:solidFill>
+                <a:highlight>
+                  <a:srgbClr val="FFFFFF"/>
+                </a:highlight>
+                <a:latin typeface="Consolas"/>
+              </a:rPr>
+              <a:t>&lt;</a:t>
+            </a:r>
+            <a:r>
+              <a:rPr lang="nl-NL" sz="2800" dirty="0">
+                <a:solidFill>
+                  <a:srgbClr val="800000"/>
+                </a:solidFill>
+                <a:highlight>
+                  <a:srgbClr val="FFFFFF"/>
+                </a:highlight>
+                <a:latin typeface="Consolas"/>
+              </a:rPr>
+              <a:t>body</a:t>
+            </a:r>
+            <a:r>
+              <a:rPr lang="nl-NL" sz="2800" dirty="0" smtClean="0">
+                <a:solidFill>
+                  <a:srgbClr val="0000FF"/>
+                </a:solidFill>
+                <a:highlight>
+                  <a:srgbClr val="FFFFFF"/>
+                </a:highlight>
+                <a:latin typeface="Consolas"/>
+              </a:rPr>
+              <a:t>&gt; </a:t>
+            </a:r>
+            <a:r>
+              <a:rPr lang="nl-NL" dirty="0" smtClean="0"/>
+              <a:t>element</a:t>
+            </a:r>
+          </a:p>
+          <a:p>
+            <a:r>
+              <a:rPr lang="nl-NL" dirty="0" err="1" smtClean="0"/>
+              <a:t>Inline</a:t>
+            </a:r>
+            <a:r>
+              <a:rPr lang="nl-NL" dirty="0" smtClean="0"/>
+              <a:t> of extern bestand</a:t>
+            </a:r>
+          </a:p>
+          <a:p>
             <a:pPr marL="109728" indent="0">
               <a:buNone/>
             </a:pPr>
@@ -11066,7 +10758,7 @@
               <a:t>&lt;</a:t>
             </a:r>
             <a:r>
-              <a:rPr lang="nl-NL" sz="2800" dirty="0">
+              <a:rPr lang="nl-NL" sz="2800" dirty="0" smtClean="0">
                 <a:solidFill>
                   <a:srgbClr val="800000"/>
                 </a:solidFill>
@@ -11078,7 +10770,7 @@
               <a:t>body</a:t>
             </a:r>
             <a:r>
-              <a:rPr lang="nl-NL" sz="2800" dirty="0">
+              <a:rPr lang="nl-NL" sz="2800" dirty="0" smtClean="0">
                 <a:solidFill>
                   <a:srgbClr val="0000FF"/>
                 </a:solidFill>
@@ -11137,34 +10829,10 @@
                 </a:highlight>
                 <a:latin typeface="Consolas"/>
               </a:rPr>
-              <a:t>p</a:t>
-            </a:r>
-            <a:r>
-              <a:rPr lang="nl-NL" sz="2800" dirty="0">
-                <a:solidFill>
-                  <a:srgbClr val="000000"/>
-                </a:solidFill>
-                <a:highlight>
-                  <a:srgbClr val="FFFFFF"/>
-                </a:highlight>
-                <a:latin typeface="Consolas"/>
-              </a:rPr>
-              <a:t> </a:t>
-            </a:r>
-            <a:r>
-              <a:rPr lang="nl-NL" sz="2800" dirty="0" err="1">
-                <a:solidFill>
-                  <a:srgbClr val="FF0000"/>
-                </a:solidFill>
-                <a:highlight>
-                  <a:srgbClr val="FFFFFF"/>
-                </a:highlight>
-                <a:latin typeface="Consolas"/>
-              </a:rPr>
-              <a:t>id</a:t>
-            </a:r>
-            <a:r>
-              <a:rPr lang="nl-NL" sz="2800" dirty="0">
+              <a:t>script</a:t>
+            </a:r>
+            <a:r>
+              <a:rPr lang="nl-NL" sz="2800" dirty="0" smtClean="0">
                 <a:solidFill>
                   <a:srgbClr val="0000FF"/>
                 </a:solidFill>
@@ -11173,10 +10841,15 @@
                 </a:highlight>
                 <a:latin typeface="Consolas"/>
               </a:rPr>
-              <a:t>="</a:t>
-            </a:r>
-            <a:r>
-              <a:rPr lang="nl-NL" sz="2800" dirty="0" err="1">
+              <a:t>&gt;</a:t>
+            </a:r>
+          </a:p>
+          <a:p>
+            <a:pPr marL="109728" indent="0">
+              <a:buNone/>
+            </a:pPr>
+            <a:r>
+              <a:rPr lang="nl-NL" sz="2800" dirty="0">
                 <a:solidFill>
                   <a:srgbClr val="0000FF"/>
                 </a:solidFill>
@@ -11185,10 +10858,10 @@
                 </a:highlight>
                 <a:latin typeface="Consolas"/>
               </a:rPr>
-              <a:t>hello</a:t>
-            </a:r>
-            <a:r>
-              <a:rPr lang="nl-NL" sz="2800" dirty="0">
+              <a:t>	</a:t>
+            </a:r>
+            <a:r>
+              <a:rPr lang="nl-NL" sz="2800" dirty="0" smtClean="0">
                 <a:solidFill>
                   <a:srgbClr val="0000FF"/>
                 </a:solidFill>
@@ -11197,7 +10870,48 @@
                 </a:highlight>
                 <a:latin typeface="Consolas"/>
               </a:rPr>
-              <a:t>"&gt;&lt;/</a:t>
+              <a:t>	</a:t>
+            </a:r>
+            <a:r>
+              <a:rPr lang="nl-NL" sz="2800" dirty="0" smtClean="0">
+                <a:solidFill>
+                  <a:srgbClr val="008000"/>
+                </a:solidFill>
+                <a:highlight>
+                  <a:srgbClr val="FFFFFF"/>
+                </a:highlight>
+                <a:latin typeface="Consolas"/>
+              </a:rPr>
+              <a:t>// Code </a:t>
+            </a:r>
+          </a:p>
+          <a:p>
+            <a:pPr marL="109728" indent="0">
+              <a:buNone/>
+            </a:pPr>
+            <a:r>
+              <a:rPr lang="nl-NL" sz="2800" dirty="0">
+                <a:solidFill>
+                  <a:srgbClr val="008000"/>
+                </a:solidFill>
+                <a:highlight>
+                  <a:srgbClr val="FFFFFF"/>
+                </a:highlight>
+                <a:latin typeface="Consolas"/>
+              </a:rPr>
+              <a:t>	</a:t>
+            </a:r>
+            <a:r>
+              <a:rPr lang="nl-NL" sz="2800" dirty="0" smtClean="0">
+                <a:solidFill>
+                  <a:srgbClr val="0000FF"/>
+                </a:solidFill>
+                <a:highlight>
+                  <a:srgbClr val="FFFFFF"/>
+                </a:highlight>
+                <a:latin typeface="Consolas"/>
+              </a:rPr>
+              <a:t>&lt;/</a:t>
             </a:r>
             <a:r>
               <a:rPr lang="nl-NL" sz="2800" dirty="0">
@@ -11209,7 +10923,7 @@
                 </a:highlight>
                 <a:latin typeface="Consolas"/>
               </a:rPr>
-              <a:t>p</a:t>
+              <a:t>script</a:t>
             </a:r>
             <a:r>
               <a:rPr lang="nl-NL" sz="2800" dirty="0">
@@ -11238,19 +10952,7 @@
               <a:buNone/>
             </a:pPr>
             <a:r>
-              <a:rPr lang="nl-NL" sz="2800" dirty="0">
-                <a:solidFill>
-                  <a:srgbClr val="000000"/>
-                </a:solidFill>
-                <a:highlight>
-                  <a:srgbClr val="FFFFFF"/>
-                </a:highlight>
-                <a:latin typeface="Consolas"/>
-              </a:rPr>
-              <a:t>    </a:t>
-            </a:r>
-            <a:r>
-              <a:rPr lang="nl-NL" sz="2800" dirty="0">
+              <a:rPr lang="nl-NL" sz="2800" dirty="0" smtClean="0">
                 <a:solidFill>
                   <a:srgbClr val="0000FF"/>
                 </a:solidFill>
@@ -11259,10 +10961,10 @@
                 </a:highlight>
                 <a:latin typeface="Consolas"/>
               </a:rPr>
-              <a:t>&lt;</a:t>
-            </a:r>
-            <a:r>
-              <a:rPr lang="nl-NL" sz="2800" dirty="0">
+              <a:t>&lt;/</a:t>
+            </a:r>
+            <a:r>
+              <a:rPr lang="nl-NL" sz="2800" dirty="0" smtClean="0">
                 <a:solidFill>
                   <a:srgbClr val="800000"/>
                 </a:solidFill>
@@ -11271,10 +10973,10 @@
                 </a:highlight>
                 <a:latin typeface="Consolas"/>
               </a:rPr>
-              <a:t>script</a:t>
-            </a:r>
-            <a:r>
-              <a:rPr lang="nl-NL" sz="2800" dirty="0">
+              <a:t>body</a:t>
+            </a:r>
+            <a:r>
+              <a:rPr lang="nl-NL" sz="2800" dirty="0" smtClean="0">
                 <a:solidFill>
                   <a:srgbClr val="0000FF"/>
                 </a:solidFill>
@@ -11300,161 +11002,7 @@
               <a:buNone/>
             </a:pPr>
             <a:r>
-              <a:rPr lang="en-US" sz="2800" dirty="0" smtClean="0">
-                <a:solidFill>
-                  <a:srgbClr val="000000"/>
-                </a:solidFill>
-                <a:highlight>
-                  <a:srgbClr val="FFFFFF"/>
-                </a:highlight>
-                <a:latin typeface="Consolas"/>
-              </a:rPr>
-              <a:t>	</a:t>
-            </a:r>
-            <a:r>
-              <a:rPr lang="en-US" sz="2800" dirty="0" err="1" smtClean="0">
-                <a:solidFill>
-                  <a:srgbClr val="000000"/>
-                </a:solidFill>
-                <a:highlight>
-                  <a:srgbClr val="FFFFFF"/>
-                </a:highlight>
-                <a:latin typeface="Consolas"/>
-              </a:rPr>
-              <a:t>document.getElementById</a:t>
-            </a:r>
-            <a:r>
-              <a:rPr lang="en-US" sz="2800" dirty="0">
-                <a:solidFill>
-                  <a:srgbClr val="000000"/>
-                </a:solidFill>
-                <a:highlight>
-                  <a:srgbClr val="FFFFFF"/>
-                </a:highlight>
-                <a:latin typeface="Consolas"/>
-              </a:rPr>
-              <a:t>(</a:t>
-            </a:r>
-            <a:r>
-              <a:rPr lang="en-US" sz="2800" dirty="0">
-                <a:solidFill>
-                  <a:srgbClr val="A31515"/>
-                </a:solidFill>
-                <a:highlight>
-                  <a:srgbClr val="FFFFFF"/>
-                </a:highlight>
-                <a:latin typeface="Consolas"/>
-              </a:rPr>
-              <a:t>'hello</a:t>
-            </a:r>
-            <a:r>
-              <a:rPr lang="en-US" sz="2800" dirty="0" smtClean="0">
-                <a:solidFill>
-                  <a:srgbClr val="A31515"/>
-                </a:solidFill>
-                <a:highlight>
-                  <a:srgbClr val="FFFFFF"/>
-                </a:highlight>
-                <a:latin typeface="Consolas"/>
-              </a:rPr>
-              <a:t>'</a:t>
-            </a:r>
-            <a:r>
-              <a:rPr lang="en-US" sz="2800" dirty="0" smtClean="0">
-                <a:solidFill>
-                  <a:srgbClr val="000000"/>
-                </a:solidFill>
-                <a:highlight>
-                  <a:srgbClr val="FFFFFF"/>
-                </a:highlight>
-                <a:latin typeface="Consolas"/>
-              </a:rPr>
-              <a:t>)</a:t>
-            </a:r>
-          </a:p>
-          <a:p>
-            <a:pPr marL="109728" indent="0">
-              <a:buNone/>
-            </a:pPr>
-            <a:r>
-              <a:rPr lang="en-US" sz="2800" dirty="0" smtClean="0">
-                <a:solidFill>
-                  <a:srgbClr val="000000"/>
-                </a:solidFill>
-                <a:highlight>
-                  <a:srgbClr val="FFFFFF"/>
-                </a:highlight>
-                <a:latin typeface="Consolas"/>
-              </a:rPr>
-              <a:t>	.</a:t>
-            </a:r>
-            <a:r>
-              <a:rPr lang="en-US" sz="2800" dirty="0" err="1">
-                <a:solidFill>
-                  <a:srgbClr val="000000"/>
-                </a:solidFill>
-                <a:highlight>
-                  <a:srgbClr val="FFFFFF"/>
-                </a:highlight>
-                <a:latin typeface="Consolas"/>
-              </a:rPr>
-              <a:t>innerHTML</a:t>
-            </a:r>
-            <a:r>
-              <a:rPr lang="en-US" sz="2800" dirty="0">
-                <a:solidFill>
-                  <a:srgbClr val="000000"/>
-                </a:solidFill>
-                <a:highlight>
-                  <a:srgbClr val="FFFFFF"/>
-                </a:highlight>
-                <a:latin typeface="Consolas"/>
-              </a:rPr>
-              <a:t> = </a:t>
-            </a:r>
-            <a:r>
-              <a:rPr lang="en-US" sz="2800" dirty="0">
-                <a:solidFill>
-                  <a:srgbClr val="A31515"/>
-                </a:solidFill>
-                <a:highlight>
-                  <a:srgbClr val="FFFFFF"/>
-                </a:highlight>
-                <a:latin typeface="Consolas"/>
-              </a:rPr>
-              <a:t>'Hello World'</a:t>
-            </a:r>
-            <a:r>
-              <a:rPr lang="en-US" sz="2800" dirty="0">
-                <a:solidFill>
-                  <a:srgbClr val="000000"/>
-                </a:solidFill>
-                <a:highlight>
-                  <a:srgbClr val="FFFFFF"/>
-                </a:highlight>
-                <a:latin typeface="Consolas"/>
-              </a:rPr>
-              <a:t>;</a:t>
-            </a:r>
-          </a:p>
-          <a:p>
-            <a:pPr marL="109728" indent="0">
-              <a:buNone/>
-            </a:pPr>
-            <a:r>
-              <a:rPr lang="nl-NL" sz="2800" dirty="0">
-                <a:solidFill>
-                  <a:srgbClr val="000000"/>
-                </a:solidFill>
-                <a:highlight>
-                  <a:srgbClr val="FFFFFF"/>
-                </a:highlight>
-                <a:latin typeface="Consolas"/>
-              </a:rPr>
-              <a:t>    </a:t>
-            </a:r>
-            <a:r>
-              <a:rPr lang="nl-NL" sz="2800" dirty="0">
+              <a:rPr lang="nl-NL" sz="2800" dirty="0" smtClean="0">
                 <a:solidFill>
                   <a:srgbClr val="0000FF"/>
                 </a:solidFill>
@@ -11463,10 +11011,10 @@
                 </a:highlight>
                 <a:latin typeface="Consolas"/>
               </a:rPr>
-              <a:t>&lt;/</a:t>
-            </a:r>
-            <a:r>
-              <a:rPr lang="nl-NL" sz="2800" dirty="0">
+              <a:t>&lt;</a:t>
+            </a:r>
+            <a:r>
+              <a:rPr lang="nl-NL" sz="2800" dirty="0" smtClean="0">
                 <a:solidFill>
                   <a:srgbClr val="800000"/>
                 </a:solidFill>
@@ -11475,10 +11023,10 @@
                 </a:highlight>
                 <a:latin typeface="Consolas"/>
               </a:rPr>
-              <a:t>script</a:t>
-            </a:r>
-            <a:r>
-              <a:rPr lang="nl-NL" sz="2800" dirty="0">
+              <a:t>body</a:t>
+            </a:r>
+            <a:r>
+              <a:rPr lang="nl-NL" sz="2800" dirty="0" smtClean="0">
                 <a:solidFill>
                   <a:srgbClr val="0000FF"/>
                 </a:solidFill>
@@ -11506,6 +11054,18 @@
             <a:r>
               <a:rPr lang="nl-NL" sz="2800" dirty="0">
                 <a:solidFill>
+                  <a:srgbClr val="000000"/>
+                </a:solidFill>
+                <a:highlight>
+                  <a:srgbClr val="FFFFFF"/>
+                </a:highlight>
+                <a:latin typeface="Consolas"/>
+              </a:rPr>
+              <a:t>    </a:t>
+            </a:r>
+            <a:r>
+              <a:rPr lang="nl-NL" sz="2800" dirty="0">
+                <a:solidFill>
                   <a:srgbClr val="0000FF"/>
                 </a:solidFill>
                 <a:highlight>
@@ -11513,10 +11073,108 @@
                 </a:highlight>
                 <a:latin typeface="Consolas"/>
               </a:rPr>
+              <a:t>&lt;</a:t>
+            </a:r>
+            <a:r>
+              <a:rPr lang="nl-NL" sz="2800" dirty="0">
+                <a:solidFill>
+                  <a:srgbClr val="800000"/>
+                </a:solidFill>
+                <a:highlight>
+                  <a:srgbClr val="FFFFFF"/>
+                </a:highlight>
+                <a:latin typeface="Consolas"/>
+              </a:rPr>
+              <a:t>script</a:t>
+            </a:r>
+            <a:r>
+              <a:rPr lang="nl-NL" sz="2800" dirty="0">
+                <a:solidFill>
+                  <a:srgbClr val="000000"/>
+                </a:solidFill>
+                <a:highlight>
+                  <a:srgbClr val="FFFFFF"/>
+                </a:highlight>
+                <a:latin typeface="Consolas"/>
+              </a:rPr>
+              <a:t> </a:t>
+            </a:r>
+            <a:r>
+              <a:rPr lang="nl-NL" sz="2800" dirty="0" err="1">
+                <a:solidFill>
+                  <a:srgbClr val="FF0000"/>
+                </a:solidFill>
+                <a:highlight>
+                  <a:srgbClr val="FFFFFF"/>
+                </a:highlight>
+                <a:latin typeface="Consolas"/>
+              </a:rPr>
+              <a:t>src</a:t>
+            </a:r>
+            <a:r>
+              <a:rPr lang="nl-NL" sz="2800" dirty="0">
+                <a:solidFill>
+                  <a:srgbClr val="0000FF"/>
+                </a:solidFill>
+                <a:highlight>
+                  <a:srgbClr val="FFFFFF"/>
+                </a:highlight>
+                <a:latin typeface="Consolas"/>
+              </a:rPr>
+              <a:t>="code.js"&gt;&lt;/</a:t>
+            </a:r>
+            <a:r>
+              <a:rPr lang="nl-NL" sz="2800" dirty="0">
+                <a:solidFill>
+                  <a:srgbClr val="800000"/>
+                </a:solidFill>
+                <a:highlight>
+                  <a:srgbClr val="FFFFFF"/>
+                </a:highlight>
+                <a:latin typeface="Consolas"/>
+              </a:rPr>
+              <a:t>script</a:t>
+            </a:r>
+            <a:r>
+              <a:rPr lang="nl-NL" sz="2800" dirty="0">
+                <a:solidFill>
+                  <a:srgbClr val="0000FF"/>
+                </a:solidFill>
+                <a:highlight>
+                  <a:srgbClr val="FFFFFF"/>
+                </a:highlight>
+                <a:latin typeface="Consolas"/>
+              </a:rPr>
+              <a:t>&gt;</a:t>
+            </a:r>
+            <a:endParaRPr lang="nl-NL" sz="2800" dirty="0">
+              <a:solidFill>
+                <a:srgbClr val="000000"/>
+              </a:solidFill>
+              <a:highlight>
+                <a:srgbClr val="FFFFFF"/>
+              </a:highlight>
+              <a:latin typeface="Consolas"/>
+            </a:endParaRPr>
+          </a:p>
+          <a:p>
+            <a:pPr marL="109728" indent="0">
+              <a:buNone/>
+            </a:pPr>
+            <a:r>
+              <a:rPr lang="nl-NL" sz="2800" dirty="0" smtClean="0">
+                <a:solidFill>
+                  <a:srgbClr val="0000FF"/>
+                </a:solidFill>
+                <a:highlight>
+                  <a:srgbClr val="FFFFFF"/>
+                </a:highlight>
+                <a:latin typeface="Consolas"/>
+              </a:rPr>
               <a:t>&lt;/</a:t>
             </a:r>
             <a:r>
-              <a:rPr lang="nl-NL" sz="2800" dirty="0">
+              <a:rPr lang="nl-NL" sz="2800" dirty="0" smtClean="0">
                 <a:solidFill>
                   <a:srgbClr val="800000"/>
                 </a:solidFill>
@@ -11539,6 +11197,7 @@
               </a:rPr>
               <a:t>&gt;</a:t>
             </a:r>
+            <a:endParaRPr lang="nl-NL" dirty="0"/>
           </a:p>
         </p:txBody>
       </p:sp>
@@ -11558,12 +11217,8 @@
           <a:lstStyle/>
           <a:p>
             <a:r>
-              <a:rPr lang="nl-NL" dirty="0" err="1" smtClean="0"/>
-              <a:t>Hello</a:t>
-            </a:r>
-            <a:r>
               <a:rPr lang="nl-NL" dirty="0" smtClean="0"/>
-              <a:t> World</a:t>
+              <a:t>Beginpunt</a:t>
             </a:r>
             <a:endParaRPr lang="nl-NL" dirty="0"/>
           </a:p>
@@ -11572,7 +11227,7 @@
     </p:spTree>
     <p:extLst>
       <p:ext uri="{BB962C8B-B14F-4D97-AF65-F5344CB8AC3E}">
-        <p14:creationId xmlns:p14="http://schemas.microsoft.com/office/powerpoint/2010/main" val="2319459177"/>
+        <p14:creationId xmlns:p14="http://schemas.microsoft.com/office/powerpoint/2010/main" val="488120550"/>
       </p:ext>
     </p:extLst>
   </p:cSld>
@@ -11618,54 +11273,16 @@
         </p:nvSpPr>
         <p:spPr/>
         <p:txBody>
-          <a:bodyPr/>
+          <a:bodyPr>
+            <a:normAutofit/>
+          </a:bodyPr>
           <a:lstStyle/>
           <a:p>
-            <a:r>
-              <a:rPr lang="nl-NL" dirty="0" smtClean="0"/>
-              <a:t>Event door browser of user input afhandelen met javascript</a:t>
-            </a:r>
-          </a:p>
-          <a:p>
-            <a:r>
-              <a:rPr lang="nl-NL" dirty="0" smtClean="0"/>
-              <a:t>Bijv.</a:t>
-            </a:r>
-            <a:r>
-              <a:rPr lang="en-US" dirty="0" smtClean="0"/>
-              <a:t>: </a:t>
-            </a:r>
-            <a:r>
-              <a:rPr lang="en-US" dirty="0" err="1" smtClean="0"/>
-              <a:t>onload</a:t>
-            </a:r>
-            <a:r>
-              <a:rPr lang="en-US" dirty="0" smtClean="0"/>
-              <a:t>, </a:t>
-            </a:r>
-            <a:r>
-              <a:rPr lang="en-US" dirty="0" err="1" smtClean="0"/>
-              <a:t>onclick</a:t>
-            </a:r>
-            <a:r>
-              <a:rPr lang="en-US" dirty="0" smtClean="0"/>
-              <a:t>, </a:t>
-            </a:r>
-            <a:r>
-              <a:rPr lang="en-US" dirty="0" err="1" smtClean="0"/>
-              <a:t>onmouseover</a:t>
-            </a:r>
-            <a:endParaRPr lang="en-US" dirty="0" smtClean="0"/>
-          </a:p>
-          <a:p>
-            <a:endParaRPr lang="en-US" dirty="0"/>
-          </a:p>
-          <a:p>
             <a:pPr marL="109728" indent="0">
               <a:buNone/>
             </a:pPr>
             <a:r>
-              <a:rPr lang="en-US" sz="2000" dirty="0">
+              <a:rPr lang="nl-NL" sz="2800" dirty="0" smtClean="0">
                 <a:solidFill>
                   <a:srgbClr val="0000FF"/>
                 </a:solidFill>
@@ -11677,7 +11294,7 @@
               <a:t>&lt;</a:t>
             </a:r>
             <a:r>
-              <a:rPr lang="en-US" sz="2000" dirty="0">
+              <a:rPr lang="nl-NL" sz="2800" dirty="0">
                 <a:solidFill>
                   <a:srgbClr val="800000"/>
                 </a:solidFill>
@@ -11686,10 +11303,72 @@
                 </a:highlight>
                 <a:latin typeface="Consolas"/>
               </a:rPr>
-              <a:t>button</a:t>
-            </a:r>
-            <a:r>
-              <a:rPr lang="en-US" sz="2000" dirty="0">
+              <a:t>body</a:t>
+            </a:r>
+            <a:r>
+              <a:rPr lang="nl-NL" sz="2800" dirty="0">
+                <a:solidFill>
+                  <a:srgbClr val="0000FF"/>
+                </a:solidFill>
+                <a:highlight>
+                  <a:srgbClr val="FFFFFF"/>
+                </a:highlight>
+                <a:latin typeface="Consolas"/>
+              </a:rPr>
+              <a:t>&gt;</a:t>
+            </a:r>
+            <a:endParaRPr lang="nl-NL" sz="2800" dirty="0">
+              <a:solidFill>
+                <a:srgbClr val="000000"/>
+              </a:solidFill>
+              <a:highlight>
+                <a:srgbClr val="FFFFFF"/>
+              </a:highlight>
+              <a:latin typeface="Consolas"/>
+            </a:endParaRPr>
+          </a:p>
+          <a:p>
+            <a:pPr marL="109728" indent="0">
+              <a:buNone/>
+            </a:pPr>
+            <a:r>
+              <a:rPr lang="nl-NL" sz="2800" dirty="0">
+                <a:solidFill>
+                  <a:srgbClr val="000000"/>
+                </a:solidFill>
+                <a:highlight>
+                  <a:srgbClr val="FFFFFF"/>
+                </a:highlight>
+                <a:latin typeface="Consolas"/>
+              </a:rPr>
+              <a:t>    </a:t>
+            </a:r>
+            <a:r>
+              <a:rPr lang="nl-NL" sz="2800" dirty="0">
+                <a:solidFill>
+                  <a:srgbClr val="0000FF"/>
+                </a:solidFill>
+                <a:highlight>
+                  <a:srgbClr val="FFFFFF"/>
+                </a:highlight>
+                <a:latin typeface="Consolas"/>
+              </a:rPr>
+              <a:t>&lt;</a:t>
+            </a:r>
+            <a:r>
+              <a:rPr lang="nl-NL" sz="2800" dirty="0">
+                <a:solidFill>
+                  <a:srgbClr val="800000"/>
+                </a:solidFill>
+                <a:highlight>
+                  <a:srgbClr val="FFFFFF"/>
+                </a:highlight>
+                <a:latin typeface="Consolas"/>
+              </a:rPr>
+              <a:t>p</a:t>
+            </a:r>
+            <a:r>
+              <a:rPr lang="nl-NL" sz="2800" dirty="0">
                 <a:solidFill>
                   <a:srgbClr val="000000"/>
                 </a:solidFill>
@@ -11701,7 +11380,7 @@
               <a:t> </a:t>
             </a:r>
             <a:r>
-              <a:rPr lang="en-US" sz="2000" dirty="0" err="1">
+              <a:rPr lang="nl-NL" sz="2800" dirty="0" err="1">
                 <a:solidFill>
                   <a:srgbClr val="FF0000"/>
                 </a:solidFill>
@@ -11710,10 +11389,10 @@
                 </a:highlight>
                 <a:latin typeface="Consolas"/>
               </a:rPr>
-              <a:t>onclick</a:t>
-            </a:r>
-            <a:r>
-              <a:rPr lang="en-US" sz="2000" dirty="0">
+              <a:t>id</a:t>
+            </a:r>
+            <a:r>
+              <a:rPr lang="nl-NL" sz="2800" dirty="0">
                 <a:solidFill>
                   <a:srgbClr val="0000FF"/>
                 </a:solidFill>
@@ -11725,31 +11404,7 @@
               <a:t>="</a:t>
             </a:r>
             <a:r>
-              <a:rPr lang="en-US" sz="2000" dirty="0" err="1">
-                <a:solidFill>
-                  <a:srgbClr val="000000"/>
-                </a:solidFill>
-                <a:highlight>
-                  <a:srgbClr val="FFFFFF"/>
-                </a:highlight>
-                <a:latin typeface="Consolas"/>
-              </a:rPr>
-              <a:t>doSomething</a:t>
-            </a:r>
-            <a:r>
-              <a:rPr lang="en-US" sz="2000" dirty="0">
-                <a:solidFill>
-                  <a:srgbClr val="000000"/>
-                </a:solidFill>
-                <a:highlight>
-                  <a:srgbClr val="FFFFFF"/>
-                </a:highlight>
-                <a:latin typeface="Consolas"/>
-              </a:rPr>
-              <a:t>()</a:t>
-            </a:r>
-            <a:r>
-              <a:rPr lang="en-US" sz="2000" dirty="0">
+              <a:rPr lang="nl-NL" sz="2800" dirty="0" err="1">
                 <a:solidFill>
                   <a:srgbClr val="0000FF"/>
                 </a:solidFill>
@@ -11758,22 +11413,10 @@
                 </a:highlight>
                 <a:latin typeface="Consolas"/>
               </a:rPr>
-              <a:t>"&gt;</a:t>
-            </a:r>
-            <a:r>
-              <a:rPr lang="en-US" sz="2000" dirty="0">
-                <a:solidFill>
-                  <a:srgbClr val="000000"/>
-                </a:solidFill>
-                <a:highlight>
-                  <a:srgbClr val="FFFFFF"/>
-                </a:highlight>
-                <a:latin typeface="Consolas"/>
-              </a:rPr>
-              <a:t>Do Something</a:t>
-            </a:r>
-            <a:r>
-              <a:rPr lang="en-US" sz="2000" dirty="0">
+              <a:t>hello</a:t>
+            </a:r>
+            <a:r>
+              <a:rPr lang="nl-NL" sz="2800" dirty="0">
                 <a:solidFill>
                   <a:srgbClr val="0000FF"/>
                 </a:solidFill>
@@ -11782,10 +11425,276 @@
                 </a:highlight>
                 <a:latin typeface="Consolas"/>
               </a:rPr>
+              <a:t>"&gt;&lt;/</a:t>
+            </a:r>
+            <a:r>
+              <a:rPr lang="nl-NL" sz="2800" dirty="0">
+                <a:solidFill>
+                  <a:srgbClr val="800000"/>
+                </a:solidFill>
+                <a:highlight>
+                  <a:srgbClr val="FFFFFF"/>
+                </a:highlight>
+                <a:latin typeface="Consolas"/>
+              </a:rPr>
+              <a:t>p</a:t>
+            </a:r>
+            <a:r>
+              <a:rPr lang="nl-NL" sz="2800" dirty="0">
+                <a:solidFill>
+                  <a:srgbClr val="0000FF"/>
+                </a:solidFill>
+                <a:highlight>
+                  <a:srgbClr val="FFFFFF"/>
+                </a:highlight>
+                <a:latin typeface="Consolas"/>
+              </a:rPr>
+              <a:t>&gt;</a:t>
+            </a:r>
+            <a:endParaRPr lang="nl-NL" sz="2800" dirty="0">
+              <a:solidFill>
+                <a:srgbClr val="000000"/>
+              </a:solidFill>
+              <a:highlight>
+                <a:srgbClr val="FFFFFF"/>
+              </a:highlight>
+              <a:latin typeface="Consolas"/>
+            </a:endParaRPr>
+          </a:p>
+          <a:p>
+            <a:pPr marL="109728" indent="0">
+              <a:buNone/>
+            </a:pPr>
+            <a:r>
+              <a:rPr lang="nl-NL" sz="2800" dirty="0">
+                <a:solidFill>
+                  <a:srgbClr val="000000"/>
+                </a:solidFill>
+                <a:highlight>
+                  <a:srgbClr val="FFFFFF"/>
+                </a:highlight>
+                <a:latin typeface="Consolas"/>
+              </a:rPr>
+              <a:t>    </a:t>
+            </a:r>
+            <a:r>
+              <a:rPr lang="nl-NL" sz="2800" dirty="0">
+                <a:solidFill>
+                  <a:srgbClr val="0000FF"/>
+                </a:solidFill>
+                <a:highlight>
+                  <a:srgbClr val="FFFFFF"/>
+                </a:highlight>
+                <a:latin typeface="Consolas"/>
+              </a:rPr>
+              <a:t>&lt;</a:t>
+            </a:r>
+            <a:r>
+              <a:rPr lang="nl-NL" sz="2800" dirty="0">
+                <a:solidFill>
+                  <a:srgbClr val="800000"/>
+                </a:solidFill>
+                <a:highlight>
+                  <a:srgbClr val="FFFFFF"/>
+                </a:highlight>
+                <a:latin typeface="Consolas"/>
+              </a:rPr>
+              <a:t>script</a:t>
+            </a:r>
+            <a:r>
+              <a:rPr lang="nl-NL" sz="2800" dirty="0">
+                <a:solidFill>
+                  <a:srgbClr val="0000FF"/>
+                </a:solidFill>
+                <a:highlight>
+                  <a:srgbClr val="FFFFFF"/>
+                </a:highlight>
+                <a:latin typeface="Consolas"/>
+              </a:rPr>
+              <a:t>&gt;</a:t>
+            </a:r>
+            <a:endParaRPr lang="nl-NL" sz="2800" dirty="0">
+              <a:solidFill>
+                <a:srgbClr val="000000"/>
+              </a:solidFill>
+              <a:highlight>
+                <a:srgbClr val="FFFFFF"/>
+              </a:highlight>
+              <a:latin typeface="Consolas"/>
+            </a:endParaRPr>
+          </a:p>
+          <a:p>
+            <a:pPr marL="109728" indent="0">
+              <a:buNone/>
+            </a:pPr>
+            <a:r>
+              <a:rPr lang="en-US" sz="2800" dirty="0" smtClean="0">
+                <a:solidFill>
+                  <a:srgbClr val="000000"/>
+                </a:solidFill>
+                <a:highlight>
+                  <a:srgbClr val="FFFFFF"/>
+                </a:highlight>
+                <a:latin typeface="Consolas"/>
+              </a:rPr>
+              <a:t>	</a:t>
+            </a:r>
+            <a:r>
+              <a:rPr lang="en-US" sz="2800" dirty="0" err="1" smtClean="0">
+                <a:solidFill>
+                  <a:srgbClr val="000000"/>
+                </a:solidFill>
+                <a:highlight>
+                  <a:srgbClr val="FFFFFF"/>
+                </a:highlight>
+                <a:latin typeface="Consolas"/>
+              </a:rPr>
+              <a:t>document.getElementById</a:t>
+            </a:r>
+            <a:r>
+              <a:rPr lang="en-US" sz="2800" dirty="0">
+                <a:solidFill>
+                  <a:srgbClr val="000000"/>
+                </a:solidFill>
+                <a:highlight>
+                  <a:srgbClr val="FFFFFF"/>
+                </a:highlight>
+                <a:latin typeface="Consolas"/>
+              </a:rPr>
+              <a:t>(</a:t>
+            </a:r>
+            <a:r>
+              <a:rPr lang="en-US" sz="2800" dirty="0">
+                <a:solidFill>
+                  <a:srgbClr val="A31515"/>
+                </a:solidFill>
+                <a:highlight>
+                  <a:srgbClr val="FFFFFF"/>
+                </a:highlight>
+                <a:latin typeface="Consolas"/>
+              </a:rPr>
+              <a:t>'hello</a:t>
+            </a:r>
+            <a:r>
+              <a:rPr lang="en-US" sz="2800" dirty="0" smtClean="0">
+                <a:solidFill>
+                  <a:srgbClr val="A31515"/>
+                </a:solidFill>
+                <a:highlight>
+                  <a:srgbClr val="FFFFFF"/>
+                </a:highlight>
+                <a:latin typeface="Consolas"/>
+              </a:rPr>
+              <a:t>'</a:t>
+            </a:r>
+            <a:r>
+              <a:rPr lang="en-US" sz="2800" dirty="0" smtClean="0">
+                <a:solidFill>
+                  <a:srgbClr val="000000"/>
+                </a:solidFill>
+                <a:highlight>
+                  <a:srgbClr val="FFFFFF"/>
+                </a:highlight>
+                <a:latin typeface="Consolas"/>
+              </a:rPr>
+              <a:t>)</a:t>
+            </a:r>
+          </a:p>
+          <a:p>
+            <a:pPr marL="109728" indent="0">
+              <a:buNone/>
+            </a:pPr>
+            <a:r>
+              <a:rPr lang="en-US" sz="2800" dirty="0" smtClean="0">
+                <a:solidFill>
+                  <a:srgbClr val="000000"/>
+                </a:solidFill>
+                <a:highlight>
+                  <a:srgbClr val="FFFFFF"/>
+                </a:highlight>
+                <a:latin typeface="Consolas"/>
+              </a:rPr>
+              <a:t>	.</a:t>
+            </a:r>
+            <a:r>
+              <a:rPr lang="en-US" sz="2800" dirty="0" err="1">
+                <a:solidFill>
+                  <a:srgbClr val="000000"/>
+                </a:solidFill>
+                <a:highlight>
+                  <a:srgbClr val="FFFFFF"/>
+                </a:highlight>
+                <a:latin typeface="Consolas"/>
+              </a:rPr>
+              <a:t>innerHTML</a:t>
+            </a:r>
+            <a:r>
+              <a:rPr lang="en-US" sz="2800" dirty="0">
+                <a:solidFill>
+                  <a:srgbClr val="000000"/>
+                </a:solidFill>
+                <a:highlight>
+                  <a:srgbClr val="FFFFFF"/>
+                </a:highlight>
+                <a:latin typeface="Consolas"/>
+              </a:rPr>
+              <a:t> = </a:t>
+            </a:r>
+            <a:r>
+              <a:rPr lang="en-US" sz="2800" dirty="0">
+                <a:solidFill>
+                  <a:srgbClr val="A31515"/>
+                </a:solidFill>
+                <a:highlight>
+                  <a:srgbClr val="FFFFFF"/>
+                </a:highlight>
+                <a:latin typeface="Consolas"/>
+              </a:rPr>
+              <a:t>'Hello World'</a:t>
+            </a:r>
+            <a:r>
+              <a:rPr lang="en-US" sz="2800" dirty="0">
+                <a:solidFill>
+                  <a:srgbClr val="000000"/>
+                </a:solidFill>
+                <a:highlight>
+                  <a:srgbClr val="FFFFFF"/>
+                </a:highlight>
+                <a:latin typeface="Consolas"/>
+              </a:rPr>
+              <a:t>;</a:t>
+            </a:r>
+          </a:p>
+          <a:p>
+            <a:pPr marL="109728" indent="0">
+              <a:buNone/>
+            </a:pPr>
+            <a:r>
+              <a:rPr lang="nl-NL" sz="2800" dirty="0">
+                <a:solidFill>
+                  <a:srgbClr val="000000"/>
+                </a:solidFill>
+                <a:highlight>
+                  <a:srgbClr val="FFFFFF"/>
+                </a:highlight>
+                <a:latin typeface="Consolas"/>
+              </a:rPr>
+              <a:t>    </a:t>
+            </a:r>
+            <a:r>
+              <a:rPr lang="nl-NL" sz="2800" dirty="0">
+                <a:solidFill>
+                  <a:srgbClr val="0000FF"/>
+                </a:solidFill>
+                <a:highlight>
+                  <a:srgbClr val="FFFFFF"/>
+                </a:highlight>
+                <a:latin typeface="Consolas"/>
+              </a:rPr>
               <a:t>&lt;/</a:t>
             </a:r>
             <a:r>
-              <a:rPr lang="en-US" sz="2000" dirty="0">
+              <a:rPr lang="nl-NL" sz="2800" dirty="0">
                 <a:solidFill>
                   <a:srgbClr val="800000"/>
                 </a:solidFill>
@@ -11794,10 +11703,10 @@
                 </a:highlight>
                 <a:latin typeface="Consolas"/>
               </a:rPr>
-              <a:t>button</a:t>
-            </a:r>
-            <a:r>
-              <a:rPr lang="en-US" sz="2000" dirty="0">
+              <a:t>script</a:t>
+            </a:r>
+            <a:r>
+              <a:rPr lang="nl-NL" sz="2800" dirty="0">
                 <a:solidFill>
                   <a:srgbClr val="0000FF"/>
                 </a:solidFill>
@@ -11808,7 +11717,56 @@
               </a:rPr>
               <a:t>&gt;</a:t>
             </a:r>
-            <a:endParaRPr lang="nl-NL" sz="2000" dirty="0"/>
+            <a:endParaRPr lang="nl-NL" sz="2800" dirty="0">
+              <a:solidFill>
+                <a:srgbClr val="000000"/>
+              </a:solidFill>
+              <a:highlight>
+                <a:srgbClr val="FFFFFF"/>
+              </a:highlight>
+              <a:latin typeface="Consolas"/>
+            </a:endParaRPr>
+          </a:p>
+          <a:p>
+            <a:pPr marL="109728" indent="0">
+              <a:buNone/>
+            </a:pPr>
+            <a:r>
+              <a:rPr lang="nl-NL" sz="2800" dirty="0">
+                <a:solidFill>
+                  <a:srgbClr val="0000FF"/>
+                </a:solidFill>
+                <a:highlight>
+                  <a:srgbClr val="FFFFFF"/>
+                </a:highlight>
+                <a:latin typeface="Consolas"/>
+              </a:rPr>
+              <a:t>&lt;/</a:t>
+            </a:r>
+            <a:r>
+              <a:rPr lang="nl-NL" sz="2800" dirty="0">
+                <a:solidFill>
+                  <a:srgbClr val="800000"/>
+                </a:solidFill>
+                <a:highlight>
+                  <a:srgbClr val="FFFFFF"/>
+                </a:highlight>
+                <a:latin typeface="Consolas"/>
+              </a:rPr>
+              <a:t>body</a:t>
+            </a:r>
+            <a:r>
+              <a:rPr lang="nl-NL" sz="2800" dirty="0" smtClean="0">
+                <a:solidFill>
+                  <a:srgbClr val="0000FF"/>
+                </a:solidFill>
+                <a:highlight>
+                  <a:srgbClr val="FFFFFF"/>
+                </a:highlight>
+                <a:latin typeface="Consolas"/>
+              </a:rPr>
+              <a:t>&gt;</a:t>
+            </a:r>
           </a:p>
         </p:txBody>
       </p:sp>
@@ -11828,8 +11786,12 @@
           <a:lstStyle/>
           <a:p>
             <a:r>
-              <a:rPr lang="en-US" dirty="0" smtClean="0"/>
-              <a:t>HTML Events</a:t>
+              <a:rPr lang="nl-NL" dirty="0" err="1" smtClean="0"/>
+              <a:t>Hello</a:t>
+            </a:r>
+            <a:r>
+              <a:rPr lang="nl-NL" dirty="0" smtClean="0"/>
+              <a:t> World</a:t>
             </a:r>
             <a:endParaRPr lang="nl-NL" dirty="0"/>
           </a:p>
@@ -11838,7 +11800,7 @@
     </p:spTree>
     <p:extLst>
       <p:ext uri="{BB962C8B-B14F-4D97-AF65-F5344CB8AC3E}">
-        <p14:creationId xmlns:p14="http://schemas.microsoft.com/office/powerpoint/2010/main" val="2643202074"/>
+        <p14:creationId xmlns:p14="http://schemas.microsoft.com/office/powerpoint/2010/main" val="2319459177"/>
       </p:ext>
     </p:extLst>
   </p:cSld>
@@ -11889,44 +11851,192 @@
           <a:p>
             <a:r>
               <a:rPr lang="nl-NL" dirty="0" smtClean="0"/>
-              <a:t>Maak in de </a:t>
-            </a:r>
-            <a:r>
-              <a:rPr lang="nl-NL" dirty="0" err="1" smtClean="0"/>
-              <a:t>JavaScript</a:t>
-            </a:r>
+              <a:t>Event door browser of user input afhandelen met javascript</a:t>
+            </a:r>
+          </a:p>
+          <a:p>
             <a:r>
               <a:rPr lang="nl-NL" dirty="0" smtClean="0"/>
-              <a:t>/ folder je eigen folder aan</a:t>
-            </a:r>
-          </a:p>
-          <a:p>
-            <a:r>
-              <a:rPr lang="nl-NL" dirty="0" smtClean="0"/>
-              <a:t>Kopieer </a:t>
-            </a:r>
-            <a:r>
-              <a:rPr lang="nl-NL" dirty="0" err="1" smtClean="0"/>
-              <a:t>JavaScript</a:t>
-            </a:r>
-            <a:r>
-              <a:rPr lang="nl-NL" dirty="0" smtClean="0"/>
-              <a:t>/input-validatie.html naar je eigen folder</a:t>
-            </a:r>
-          </a:p>
-          <a:p>
-            <a:r>
-              <a:rPr lang="nl-NL" dirty="0" smtClean="0"/>
-              <a:t>Open het gekopieerde bestand met Visual Studio en je browser naar </a:t>
+              <a:t>Bijv.</a:t>
+            </a:r>
+            <a:r>
+              <a:rPr lang="en-US" dirty="0" smtClean="0"/>
+              <a:t>: </a:t>
             </a:r>
             <a:r>
               <a:rPr lang="en-US" dirty="0" err="1" smtClean="0"/>
-              <a:t>keuze</a:t>
-            </a:r>
-            <a:endParaRPr lang="nl-NL" dirty="0"/>
-          </a:p>
-          <a:p>
-            <a:endParaRPr lang="nl-NL" dirty="0"/>
+              <a:t>onload</a:t>
+            </a:r>
+            <a:r>
+              <a:rPr lang="en-US" dirty="0" smtClean="0"/>
+              <a:t>, </a:t>
+            </a:r>
+            <a:r>
+              <a:rPr lang="en-US" dirty="0" err="1" smtClean="0"/>
+              <a:t>onclick</a:t>
+            </a:r>
+            <a:r>
+              <a:rPr lang="en-US" dirty="0" smtClean="0"/>
+              <a:t>, </a:t>
+            </a:r>
+            <a:r>
+              <a:rPr lang="en-US" dirty="0" err="1" smtClean="0"/>
+              <a:t>onmouseover</a:t>
+            </a:r>
+            <a:endParaRPr lang="en-US" dirty="0" smtClean="0"/>
+          </a:p>
+          <a:p>
+            <a:endParaRPr lang="en-US" dirty="0"/>
+          </a:p>
+          <a:p>
+            <a:pPr marL="109728" indent="0">
+              <a:buNone/>
+            </a:pPr>
+            <a:r>
+              <a:rPr lang="en-US" sz="2000" dirty="0">
+                <a:solidFill>
+                  <a:srgbClr val="0000FF"/>
+                </a:solidFill>
+                <a:highlight>
+                  <a:srgbClr val="FFFFFF"/>
+                </a:highlight>
+                <a:latin typeface="Consolas"/>
+              </a:rPr>
+              <a:t>&lt;</a:t>
+            </a:r>
+            <a:r>
+              <a:rPr lang="en-US" sz="2000" dirty="0">
+                <a:solidFill>
+                  <a:srgbClr val="800000"/>
+                </a:solidFill>
+                <a:highlight>
+                  <a:srgbClr val="FFFFFF"/>
+                </a:highlight>
+                <a:latin typeface="Consolas"/>
+              </a:rPr>
+              <a:t>button</a:t>
+            </a:r>
+            <a:r>
+              <a:rPr lang="en-US" sz="2000" dirty="0">
+                <a:solidFill>
+                  <a:srgbClr val="000000"/>
+                </a:solidFill>
+                <a:highlight>
+                  <a:srgbClr val="FFFFFF"/>
+                </a:highlight>
+                <a:latin typeface="Consolas"/>
+              </a:rPr>
+              <a:t> </a:t>
+            </a:r>
+            <a:r>
+              <a:rPr lang="en-US" sz="2000" dirty="0" err="1">
+                <a:solidFill>
+                  <a:srgbClr val="FF0000"/>
+                </a:solidFill>
+                <a:highlight>
+                  <a:srgbClr val="FFFFFF"/>
+                </a:highlight>
+                <a:latin typeface="Consolas"/>
+              </a:rPr>
+              <a:t>onclick</a:t>
+            </a:r>
+            <a:r>
+              <a:rPr lang="en-US" sz="2000" dirty="0">
+                <a:solidFill>
+                  <a:srgbClr val="0000FF"/>
+                </a:solidFill>
+                <a:highlight>
+                  <a:srgbClr val="FFFFFF"/>
+                </a:highlight>
+                <a:latin typeface="Consolas"/>
+              </a:rPr>
+              <a:t>="</a:t>
+            </a:r>
+            <a:r>
+              <a:rPr lang="en-US" sz="2000" dirty="0" err="1">
+                <a:solidFill>
+                  <a:srgbClr val="000000"/>
+                </a:solidFill>
+                <a:highlight>
+                  <a:srgbClr val="FFFFFF"/>
+                </a:highlight>
+                <a:latin typeface="Consolas"/>
+              </a:rPr>
+              <a:t>doSomething</a:t>
+            </a:r>
+            <a:r>
+              <a:rPr lang="en-US" sz="2000" dirty="0">
+                <a:solidFill>
+                  <a:srgbClr val="000000"/>
+                </a:solidFill>
+                <a:highlight>
+                  <a:srgbClr val="FFFFFF"/>
+                </a:highlight>
+                <a:latin typeface="Consolas"/>
+              </a:rPr>
+              <a:t>()</a:t>
+            </a:r>
+            <a:r>
+              <a:rPr lang="en-US" sz="2000" dirty="0">
+                <a:solidFill>
+                  <a:srgbClr val="0000FF"/>
+                </a:solidFill>
+                <a:highlight>
+                  <a:srgbClr val="FFFFFF"/>
+                </a:highlight>
+                <a:latin typeface="Consolas"/>
+              </a:rPr>
+              <a:t>"&gt;</a:t>
+            </a:r>
+            <a:r>
+              <a:rPr lang="en-US" sz="2000" dirty="0">
+                <a:solidFill>
+                  <a:srgbClr val="000000"/>
+                </a:solidFill>
+                <a:highlight>
+                  <a:srgbClr val="FFFFFF"/>
+                </a:highlight>
+                <a:latin typeface="Consolas"/>
+              </a:rPr>
+              <a:t>Do Something</a:t>
+            </a:r>
+            <a:r>
+              <a:rPr lang="en-US" sz="2000" dirty="0">
+                <a:solidFill>
+                  <a:srgbClr val="0000FF"/>
+                </a:solidFill>
+                <a:highlight>
+                  <a:srgbClr val="FFFFFF"/>
+                </a:highlight>
+                <a:latin typeface="Consolas"/>
+              </a:rPr>
+              <a:t>&lt;/</a:t>
+            </a:r>
+            <a:r>
+              <a:rPr lang="en-US" sz="2000" dirty="0">
+                <a:solidFill>
+                  <a:srgbClr val="800000"/>
+                </a:solidFill>
+                <a:highlight>
+                  <a:srgbClr val="FFFFFF"/>
+                </a:highlight>
+                <a:latin typeface="Consolas"/>
+              </a:rPr>
+              <a:t>button</a:t>
+            </a:r>
+            <a:r>
+              <a:rPr lang="en-US" sz="2000" dirty="0">
+                <a:solidFill>
+                  <a:srgbClr val="0000FF"/>
+                </a:solidFill>
+                <a:highlight>
+                  <a:srgbClr val="FFFFFF"/>
+                </a:highlight>
+                <a:latin typeface="Consolas"/>
+              </a:rPr>
+              <a:t>&gt;</a:t>
+            </a:r>
+            <a:endParaRPr lang="nl-NL" sz="2000" dirty="0"/>
           </a:p>
         </p:txBody>
       </p:sp>
@@ -11946,8 +12056,8 @@
           <a:lstStyle/>
           <a:p>
             <a:r>
-              <a:rPr lang="nl-NL" dirty="0" smtClean="0"/>
-              <a:t>Input validatie opdracht</a:t>
+              <a:rPr lang="en-US" dirty="0" smtClean="0"/>
+              <a:t>HTML Events</a:t>
             </a:r>
             <a:endParaRPr lang="nl-NL" dirty="0"/>
           </a:p>
@@ -11956,7 +12066,7 @@
     </p:spTree>
     <p:extLst>
       <p:ext uri="{BB962C8B-B14F-4D97-AF65-F5344CB8AC3E}">
-        <p14:creationId xmlns:p14="http://schemas.microsoft.com/office/powerpoint/2010/main" val="894891906"/>
+        <p14:creationId xmlns:p14="http://schemas.microsoft.com/office/powerpoint/2010/main" val="2643202074"/>
       </p:ext>
     </p:extLst>
   </p:cSld>
@@ -12005,7 +12115,137 @@
           <a:bodyPr/>
           <a:lstStyle/>
           <a:p>
-            <a:endParaRPr lang="nl-NL"/>
+            <a:r>
+              <a:rPr lang="en-US" dirty="0" smtClean="0"/>
+              <a:t>Open met Visual Studio en browser </a:t>
+            </a:r>
+            <a:r>
+              <a:rPr lang="en-US" dirty="0" err="1" smtClean="0"/>
+              <a:t>naar</a:t>
+            </a:r>
+            <a:r>
+              <a:rPr lang="en-US" dirty="0" smtClean="0"/>
+              <a:t> </a:t>
+            </a:r>
+            <a:r>
+              <a:rPr lang="en-US" dirty="0" err="1" smtClean="0"/>
+              <a:t>keuze</a:t>
+            </a:r>
+            <a:r>
+              <a:rPr lang="en-US" dirty="0" smtClean="0"/>
+              <a:t>: </a:t>
+            </a:r>
+            <a:r>
+              <a:rPr lang="en-US" dirty="0" err="1" smtClean="0"/>
+              <a:t>Javascript</a:t>
+            </a:r>
+            <a:r>
+              <a:rPr lang="en-US" dirty="0" smtClean="0"/>
+              <a:t>/</a:t>
+            </a:r>
+            <a:r>
+              <a:rPr lang="en-US" dirty="0" err="1" smtClean="0"/>
+              <a:t>Opdracht</a:t>
+            </a:r>
+            <a:r>
+              <a:rPr lang="en-US" dirty="0" smtClean="0"/>
+              <a:t> 1/&lt;</a:t>
+            </a:r>
+            <a:r>
+              <a:rPr lang="en-US" dirty="0" err="1" smtClean="0"/>
+              <a:t>naam</a:t>
+            </a:r>
+            <a:r>
+              <a:rPr lang="en-US" dirty="0" smtClean="0"/>
+              <a:t>&gt;/</a:t>
+            </a:r>
+            <a:endParaRPr lang="nl-NL" dirty="0"/>
+          </a:p>
+          <a:p>
+            <a:endParaRPr lang="nl-NL" dirty="0"/>
+          </a:p>
+        </p:txBody>
+      </p:sp>
+      <p:sp>
+        <p:nvSpPr>
+          <p:cNvPr id="3" name="Titel 2"/>
+          <p:cNvSpPr>
+            <a:spLocks noGrp="1"/>
+          </p:cNvSpPr>
+          <p:nvPr>
+            <p:ph type="title"/>
+          </p:nvPr>
+        </p:nvSpPr>
+        <p:spPr/>
+        <p:txBody>
+          <a:bodyPr/>
+          <a:lstStyle/>
+          <a:p>
+            <a:r>
+              <a:rPr lang="nl-NL" dirty="0" smtClean="0"/>
+              <a:t>Input validatie opdracht</a:t>
+            </a:r>
+            <a:endParaRPr lang="nl-NL" dirty="0"/>
+          </a:p>
+        </p:txBody>
+      </p:sp>
+    </p:spTree>
+    <p:extLst>
+      <p:ext uri="{BB962C8B-B14F-4D97-AF65-F5344CB8AC3E}">
+        <p14:creationId xmlns:p14="http://schemas.microsoft.com/office/powerpoint/2010/main" val="894891906"/>
+      </p:ext>
+    </p:extLst>
+  </p:cSld>
+  <p:clrMapOvr>
+    <a:masterClrMapping/>
+  </p:clrMapOvr>
+  <p:timing>
+    <p:tnLst>
+      <p:par>
+        <p:cTn id="1" dur="indefinite" restart="never" nodeType="tmRoot"/>
+      </p:par>
+    </p:tnLst>
+  </p:timing>
+</p:sld>
+</file>
+
+<file path=ppt/slides/slide27.xml><?xml version="1.0" encoding="utf-8"?>
+<p:sld xmlns:a="http://schemas.openxmlformats.org/drawingml/2006/main" xmlns:r="http://schemas.openxmlformats.org/officeDocument/2006/relationships" xmlns:p="http://schemas.openxmlformats.org/presentationml/2006/main">
+  <p:cSld>
+    <p:spTree>
+      <p:nvGrpSpPr>
+        <p:cNvPr id="1" name=""/>
+        <p:cNvGrpSpPr/>
+        <p:nvPr/>
+      </p:nvGrpSpPr>
+      <p:grpSpPr>
+        <a:xfrm>
+          <a:off x="0" y="0"/>
+          <a:ext cx="0" cy="0"/>
+          <a:chOff x="0" y="0"/>
+          <a:chExt cx="0" cy="0"/>
+        </a:xfrm>
+      </p:grpSpPr>
+      <p:sp>
+        <p:nvSpPr>
+          <p:cNvPr id="2" name="Tijdelijke aanduiding voor inhoud 1"/>
+          <p:cNvSpPr>
+            <a:spLocks noGrp="1"/>
+          </p:cNvSpPr>
+          <p:nvPr>
+            <p:ph idx="1"/>
+          </p:nvPr>
+        </p:nvSpPr>
+        <p:spPr/>
+        <p:txBody>
+          <a:bodyPr/>
+          <a:lstStyle/>
+          <a:p>
+            <a:r>
+              <a:rPr lang="nl-NL" dirty="0" smtClean="0"/>
+              <a:t>Open solution file in Javascript/Opdracht 2/</a:t>
+            </a:r>
+            <a:endParaRPr lang="nl-NL" dirty="0"/>
           </a:p>
         </p:txBody>
       </p:sp>
